--- a/homomorphe_verschlüsselungen.pptx
+++ b/homomorphe_verschlüsselungen.pptx
@@ -4,16 +4,19 @@
   <p:sldMasterIdLst>
     <p:sldMasterId id="2147484017" r:id="rId1"/>
   </p:sldMasterIdLst>
+  <p:notesMasterIdLst>
+    <p:notesMasterId r:id="rId52"/>
+  </p:notesMasterIdLst>
   <p:sldIdLst>
     <p:sldId id="266" r:id="rId2"/>
     <p:sldId id="265" r:id="rId3"/>
     <p:sldId id="316" r:id="rId4"/>
     <p:sldId id="268" r:id="rId5"/>
     <p:sldId id="299" r:id="rId6"/>
-    <p:sldId id="305" r:id="rId7"/>
-    <p:sldId id="301" r:id="rId8"/>
-    <p:sldId id="302" r:id="rId9"/>
-    <p:sldId id="304" r:id="rId10"/>
+    <p:sldId id="301" r:id="rId7"/>
+    <p:sldId id="302" r:id="rId8"/>
+    <p:sldId id="304" r:id="rId9"/>
+    <p:sldId id="305" r:id="rId10"/>
     <p:sldId id="306" r:id="rId11"/>
     <p:sldId id="307" r:id="rId12"/>
     <p:sldId id="308" r:id="rId13"/>
@@ -4132,7 +4135,7 @@
   <dgm:whole/>
   <dgm:extLst>
     <a:ext uri="http://schemas.microsoft.com/office/drawing/2008/diagram">
-      <dsp:dataModelExt xmlns:dsp="http://schemas.microsoft.com/office/drawing/2008/diagram" relId="rId6" minVer="http://schemas.openxmlformats.org/drawingml/2006/diagram"/>
+      <dsp:dataModelExt xmlns:dsp="http://schemas.microsoft.com/office/drawing/2008/diagram" relId="rId7" minVer="http://schemas.openxmlformats.org/drawingml/2006/diagram"/>
     </a:ext>
   </dgm:extLst>
 </dgm:dataModel>
@@ -4352,7 +4355,7 @@
   <dgm:whole/>
   <dgm:extLst>
     <a:ext uri="http://schemas.microsoft.com/office/drawing/2008/diagram">
-      <dsp:dataModelExt xmlns:dsp="http://schemas.microsoft.com/office/drawing/2008/diagram" relId="rId6" minVer="http://schemas.openxmlformats.org/drawingml/2006/diagram"/>
+      <dsp:dataModelExt xmlns:dsp="http://schemas.microsoft.com/office/drawing/2008/diagram" relId="rId7" minVer="http://schemas.openxmlformats.org/drawingml/2006/diagram"/>
     </a:ext>
   </dgm:extLst>
 </dgm:dataModel>
@@ -11202,6 +11205,2386 @@
 </dgm:styleDef>
 </file>
 
+<file path=ppt/notesMasters/notesMaster1.xml><?xml version="1.0" encoding="utf-8"?>
+<p:notesMaster xmlns:a="http://schemas.openxmlformats.org/drawingml/2006/main" xmlns:r="http://schemas.openxmlformats.org/officeDocument/2006/relationships" xmlns:p="http://schemas.openxmlformats.org/presentationml/2006/main">
+  <p:cSld>
+    <p:bg>
+      <p:bgRef idx="1001">
+        <a:schemeClr val="bg1"/>
+      </p:bgRef>
+    </p:bg>
+    <p:spTree>
+      <p:nvGrpSpPr>
+        <p:cNvPr id="1" name=""/>
+        <p:cNvGrpSpPr/>
+        <p:nvPr/>
+      </p:nvGrpSpPr>
+      <p:grpSpPr>
+        <a:xfrm>
+          <a:off x="0" y="0"/>
+          <a:ext cx="0" cy="0"/>
+          <a:chOff x="0" y="0"/>
+          <a:chExt cx="0" cy="0"/>
+        </a:xfrm>
+      </p:grpSpPr>
+      <p:sp>
+        <p:nvSpPr>
+          <p:cNvPr id="2" name="Kopfzeilenplatzhalter 1"/>
+          <p:cNvSpPr>
+            <a:spLocks noGrp="1"/>
+          </p:cNvSpPr>
+          <p:nvPr>
+            <p:ph type="hdr" sz="quarter"/>
+          </p:nvPr>
+        </p:nvSpPr>
+        <p:spPr>
+          <a:xfrm>
+            <a:off x="0" y="0"/>
+            <a:ext cx="2971800" cy="458788"/>
+          </a:xfrm>
+          <a:prstGeom prst="rect">
+            <a:avLst/>
+          </a:prstGeom>
+        </p:spPr>
+        <p:txBody>
+          <a:bodyPr vert="horz" lIns="91440" tIns="45720" rIns="91440" bIns="45720" rtlCol="0"/>
+          <a:lstStyle>
+            <a:lvl1pPr algn="l">
+              <a:defRPr sz="1200"/>
+            </a:lvl1pPr>
+          </a:lstStyle>
+          <a:p>
+            <a:endParaRPr lang="de-AT"/>
+          </a:p>
+        </p:txBody>
+      </p:sp>
+      <p:sp>
+        <p:nvSpPr>
+          <p:cNvPr id="3" name="Datumsplatzhalter 2"/>
+          <p:cNvSpPr>
+            <a:spLocks noGrp="1"/>
+          </p:cNvSpPr>
+          <p:nvPr>
+            <p:ph type="dt" idx="1"/>
+          </p:nvPr>
+        </p:nvSpPr>
+        <p:spPr>
+          <a:xfrm>
+            <a:off x="3884613" y="0"/>
+            <a:ext cx="2971800" cy="458788"/>
+          </a:xfrm>
+          <a:prstGeom prst="rect">
+            <a:avLst/>
+          </a:prstGeom>
+        </p:spPr>
+        <p:txBody>
+          <a:bodyPr vert="horz" lIns="91440" tIns="45720" rIns="91440" bIns="45720" rtlCol="0"/>
+          <a:lstStyle>
+            <a:lvl1pPr algn="r">
+              <a:defRPr sz="1200"/>
+            </a:lvl1pPr>
+          </a:lstStyle>
+          <a:p>
+            <a:fld id="{4F34E208-120F-4DDE-A29E-354351372626}" type="datetimeFigureOut">
+              <a:rPr lang="de-AT" smtClean="0"/>
+              <a:t>21.06.2019</a:t>
+            </a:fld>
+            <a:endParaRPr lang="de-AT"/>
+          </a:p>
+        </p:txBody>
+      </p:sp>
+      <p:sp>
+        <p:nvSpPr>
+          <p:cNvPr id="4" name="Folienbildplatzhalter 3"/>
+          <p:cNvSpPr>
+            <a:spLocks noGrp="1" noRot="1" noChangeAspect="1"/>
+          </p:cNvSpPr>
+          <p:nvPr>
+            <p:ph type="sldImg" idx="2"/>
+          </p:nvPr>
+        </p:nvSpPr>
+        <p:spPr>
+          <a:xfrm>
+            <a:off x="685800" y="1143000"/>
+            <a:ext cx="5486400" cy="3086100"/>
+          </a:xfrm>
+          <a:prstGeom prst="rect">
+            <a:avLst/>
+          </a:prstGeom>
+          <a:noFill/>
+          <a:ln w="12700">
+            <a:solidFill>
+              <a:prstClr val="black"/>
+            </a:solidFill>
+          </a:ln>
+        </p:spPr>
+        <p:txBody>
+          <a:bodyPr vert="horz" lIns="91440" tIns="45720" rIns="91440" bIns="45720" rtlCol="0" anchor="ctr"/>
+          <a:lstStyle/>
+          <a:p>
+            <a:endParaRPr lang="de-AT"/>
+          </a:p>
+        </p:txBody>
+      </p:sp>
+      <p:sp>
+        <p:nvSpPr>
+          <p:cNvPr id="5" name="Notizenplatzhalter 4"/>
+          <p:cNvSpPr>
+            <a:spLocks noGrp="1"/>
+          </p:cNvSpPr>
+          <p:nvPr>
+            <p:ph type="body" sz="quarter" idx="3"/>
+          </p:nvPr>
+        </p:nvSpPr>
+        <p:spPr>
+          <a:xfrm>
+            <a:off x="685800" y="4400550"/>
+            <a:ext cx="5486400" cy="3600450"/>
+          </a:xfrm>
+          <a:prstGeom prst="rect">
+            <a:avLst/>
+          </a:prstGeom>
+        </p:spPr>
+        <p:txBody>
+          <a:bodyPr vert="horz" lIns="91440" tIns="45720" rIns="91440" bIns="45720" rtlCol="0"/>
+          <a:lstStyle/>
+          <a:p>
+            <a:pPr lvl="0"/>
+            <a:r>
+              <a:rPr lang="de-DE"/>
+              <a:t>Mastertextformat bearbeiten</a:t>
+            </a:r>
+          </a:p>
+          <a:p>
+            <a:pPr lvl="1"/>
+            <a:r>
+              <a:rPr lang="de-DE"/>
+              <a:t>Zweite Ebene</a:t>
+            </a:r>
+          </a:p>
+          <a:p>
+            <a:pPr lvl="2"/>
+            <a:r>
+              <a:rPr lang="de-DE"/>
+              <a:t>Dritte Ebene</a:t>
+            </a:r>
+          </a:p>
+          <a:p>
+            <a:pPr lvl="3"/>
+            <a:r>
+              <a:rPr lang="de-DE"/>
+              <a:t>Vierte Ebene</a:t>
+            </a:r>
+          </a:p>
+          <a:p>
+            <a:pPr lvl="4"/>
+            <a:r>
+              <a:rPr lang="de-DE"/>
+              <a:t>Fünfte Ebene</a:t>
+            </a:r>
+            <a:endParaRPr lang="de-AT"/>
+          </a:p>
+        </p:txBody>
+      </p:sp>
+      <p:sp>
+        <p:nvSpPr>
+          <p:cNvPr id="6" name="Fußzeilenplatzhalter 5"/>
+          <p:cNvSpPr>
+            <a:spLocks noGrp="1"/>
+          </p:cNvSpPr>
+          <p:nvPr>
+            <p:ph type="ftr" sz="quarter" idx="4"/>
+          </p:nvPr>
+        </p:nvSpPr>
+        <p:spPr>
+          <a:xfrm>
+            <a:off x="0" y="8685213"/>
+            <a:ext cx="2971800" cy="458787"/>
+          </a:xfrm>
+          <a:prstGeom prst="rect">
+            <a:avLst/>
+          </a:prstGeom>
+        </p:spPr>
+        <p:txBody>
+          <a:bodyPr vert="horz" lIns="91440" tIns="45720" rIns="91440" bIns="45720" rtlCol="0" anchor="b"/>
+          <a:lstStyle>
+            <a:lvl1pPr algn="l">
+              <a:defRPr sz="1200"/>
+            </a:lvl1pPr>
+          </a:lstStyle>
+          <a:p>
+            <a:endParaRPr lang="de-AT"/>
+          </a:p>
+        </p:txBody>
+      </p:sp>
+      <p:sp>
+        <p:nvSpPr>
+          <p:cNvPr id="7" name="Foliennummernplatzhalter 6"/>
+          <p:cNvSpPr>
+            <a:spLocks noGrp="1"/>
+          </p:cNvSpPr>
+          <p:nvPr>
+            <p:ph type="sldNum" sz="quarter" idx="5"/>
+          </p:nvPr>
+        </p:nvSpPr>
+        <p:spPr>
+          <a:xfrm>
+            <a:off x="3884613" y="8685213"/>
+            <a:ext cx="2971800" cy="458787"/>
+          </a:xfrm>
+          <a:prstGeom prst="rect">
+            <a:avLst/>
+          </a:prstGeom>
+        </p:spPr>
+        <p:txBody>
+          <a:bodyPr vert="horz" lIns="91440" tIns="45720" rIns="91440" bIns="45720" rtlCol="0" anchor="b"/>
+          <a:lstStyle>
+            <a:lvl1pPr algn="r">
+              <a:defRPr sz="1200"/>
+            </a:lvl1pPr>
+          </a:lstStyle>
+          <a:p>
+            <a:fld id="{DE3F3CBC-5628-473F-BCAF-CFEA381F15B3}" type="slidenum">
+              <a:rPr lang="de-AT" smtClean="0"/>
+              <a:t>‹Nr.›</a:t>
+            </a:fld>
+            <a:endParaRPr lang="de-AT"/>
+          </a:p>
+        </p:txBody>
+      </p:sp>
+    </p:spTree>
+    <p:extLst>
+      <p:ext uri="{BB962C8B-B14F-4D97-AF65-F5344CB8AC3E}">
+        <p14:creationId xmlns:p14="http://schemas.microsoft.com/office/powerpoint/2010/main" val="3909197149"/>
+      </p:ext>
+    </p:extLst>
+  </p:cSld>
+  <p:clrMap bg1="lt1" tx1="dk1" bg2="lt2" tx2="dk2" accent1="accent1" accent2="accent2" accent3="accent3" accent4="accent4" accent5="accent5" accent6="accent6" hlink="hlink" folHlink="folHlink"/>
+  <p:notesStyle>
+    <a:lvl1pPr marL="0" algn="l" defTabSz="914400" rtl="0" eaLnBrk="1" latinLnBrk="0" hangingPunct="1">
+      <a:defRPr sz="1200" kern="1200">
+        <a:solidFill>
+          <a:schemeClr val="tx1"/>
+        </a:solidFill>
+        <a:latin typeface="+mn-lt"/>
+        <a:ea typeface="+mn-ea"/>
+        <a:cs typeface="+mn-cs"/>
+      </a:defRPr>
+    </a:lvl1pPr>
+    <a:lvl2pPr marL="457200" algn="l" defTabSz="914400" rtl="0" eaLnBrk="1" latinLnBrk="0" hangingPunct="1">
+      <a:defRPr sz="1200" kern="1200">
+        <a:solidFill>
+          <a:schemeClr val="tx1"/>
+        </a:solidFill>
+        <a:latin typeface="+mn-lt"/>
+        <a:ea typeface="+mn-ea"/>
+        <a:cs typeface="+mn-cs"/>
+      </a:defRPr>
+    </a:lvl2pPr>
+    <a:lvl3pPr marL="914400" algn="l" defTabSz="914400" rtl="0" eaLnBrk="1" latinLnBrk="0" hangingPunct="1">
+      <a:defRPr sz="1200" kern="1200">
+        <a:solidFill>
+          <a:schemeClr val="tx1"/>
+        </a:solidFill>
+        <a:latin typeface="+mn-lt"/>
+        <a:ea typeface="+mn-ea"/>
+        <a:cs typeface="+mn-cs"/>
+      </a:defRPr>
+    </a:lvl3pPr>
+    <a:lvl4pPr marL="1371600" algn="l" defTabSz="914400" rtl="0" eaLnBrk="1" latinLnBrk="0" hangingPunct="1">
+      <a:defRPr sz="1200" kern="1200">
+        <a:solidFill>
+          <a:schemeClr val="tx1"/>
+        </a:solidFill>
+        <a:latin typeface="+mn-lt"/>
+        <a:ea typeface="+mn-ea"/>
+        <a:cs typeface="+mn-cs"/>
+      </a:defRPr>
+    </a:lvl4pPr>
+    <a:lvl5pPr marL="1828800" algn="l" defTabSz="914400" rtl="0" eaLnBrk="1" latinLnBrk="0" hangingPunct="1">
+      <a:defRPr sz="1200" kern="1200">
+        <a:solidFill>
+          <a:schemeClr val="tx1"/>
+        </a:solidFill>
+        <a:latin typeface="+mn-lt"/>
+        <a:ea typeface="+mn-ea"/>
+        <a:cs typeface="+mn-cs"/>
+      </a:defRPr>
+    </a:lvl5pPr>
+    <a:lvl6pPr marL="2286000" algn="l" defTabSz="914400" rtl="0" eaLnBrk="1" latinLnBrk="0" hangingPunct="1">
+      <a:defRPr sz="1200" kern="1200">
+        <a:solidFill>
+          <a:schemeClr val="tx1"/>
+        </a:solidFill>
+        <a:latin typeface="+mn-lt"/>
+        <a:ea typeface="+mn-ea"/>
+        <a:cs typeface="+mn-cs"/>
+      </a:defRPr>
+    </a:lvl6pPr>
+    <a:lvl7pPr marL="2743200" algn="l" defTabSz="914400" rtl="0" eaLnBrk="1" latinLnBrk="0" hangingPunct="1">
+      <a:defRPr sz="1200" kern="1200">
+        <a:solidFill>
+          <a:schemeClr val="tx1"/>
+        </a:solidFill>
+        <a:latin typeface="+mn-lt"/>
+        <a:ea typeface="+mn-ea"/>
+        <a:cs typeface="+mn-cs"/>
+      </a:defRPr>
+    </a:lvl7pPr>
+    <a:lvl8pPr marL="3200400" algn="l" defTabSz="914400" rtl="0" eaLnBrk="1" latinLnBrk="0" hangingPunct="1">
+      <a:defRPr sz="1200" kern="1200">
+        <a:solidFill>
+          <a:schemeClr val="tx1"/>
+        </a:solidFill>
+        <a:latin typeface="+mn-lt"/>
+        <a:ea typeface="+mn-ea"/>
+        <a:cs typeface="+mn-cs"/>
+      </a:defRPr>
+    </a:lvl8pPr>
+    <a:lvl9pPr marL="3657600" algn="l" defTabSz="914400" rtl="0" eaLnBrk="1" latinLnBrk="0" hangingPunct="1">
+      <a:defRPr sz="1200" kern="1200">
+        <a:solidFill>
+          <a:schemeClr val="tx1"/>
+        </a:solidFill>
+        <a:latin typeface="+mn-lt"/>
+        <a:ea typeface="+mn-ea"/>
+        <a:cs typeface="+mn-cs"/>
+      </a:defRPr>
+    </a:lvl9pPr>
+  </p:notesStyle>
+</p:notesMaster>
+</file>
+
+<file path=ppt/notesSlides/notesSlide1.xml><?xml version="1.0" encoding="utf-8"?>
+<p:notes xmlns:a="http://schemas.openxmlformats.org/drawingml/2006/main" xmlns:r="http://schemas.openxmlformats.org/officeDocument/2006/relationships" xmlns:p="http://schemas.openxmlformats.org/presentationml/2006/main">
+  <p:cSld>
+    <p:spTree>
+      <p:nvGrpSpPr>
+        <p:cNvPr id="1" name=""/>
+        <p:cNvGrpSpPr/>
+        <p:nvPr/>
+      </p:nvGrpSpPr>
+      <p:grpSpPr>
+        <a:xfrm>
+          <a:off x="0" y="0"/>
+          <a:ext cx="0" cy="0"/>
+          <a:chOff x="0" y="0"/>
+          <a:chExt cx="0" cy="0"/>
+        </a:xfrm>
+      </p:grpSpPr>
+      <p:sp>
+        <p:nvSpPr>
+          <p:cNvPr id="2" name="Folienbildplatzhalter 1"/>
+          <p:cNvSpPr>
+            <a:spLocks noGrp="1" noRot="1" noChangeAspect="1"/>
+          </p:cNvSpPr>
+          <p:nvPr>
+            <p:ph type="sldImg"/>
+          </p:nvPr>
+        </p:nvSpPr>
+        <p:spPr/>
+      </p:sp>
+      <p:sp>
+        <p:nvSpPr>
+          <p:cNvPr id="3" name="Notizenplatzhalter 2"/>
+          <p:cNvSpPr>
+            <a:spLocks noGrp="1"/>
+          </p:cNvSpPr>
+          <p:nvPr>
+            <p:ph type="body" idx="1"/>
+          </p:nvPr>
+        </p:nvSpPr>
+        <p:spPr/>
+        <p:txBody>
+          <a:bodyPr/>
+          <a:lstStyle/>
+          <a:p>
+            <a:r>
+              <a:rPr lang="de-AT" sz="1200" kern="1200" dirty="0">
+                <a:solidFill>
+                  <a:schemeClr val="tx1"/>
+                </a:solidFill>
+                <a:effectLst/>
+                <a:latin typeface="+mn-lt"/>
+                <a:ea typeface="+mn-ea"/>
+                <a:cs typeface="+mn-cs"/>
+              </a:rPr>
+              <a:t>Paillier</a:t>
+            </a:r>
+          </a:p>
+          <a:p>
+            <a:r>
+              <a:rPr lang="de-AT" sz="1200" kern="1200" dirty="0">
+                <a:solidFill>
+                  <a:schemeClr val="tx1"/>
+                </a:solidFill>
+                <a:effectLst/>
+                <a:latin typeface="+mn-lt"/>
+                <a:ea typeface="+mn-ea"/>
+                <a:cs typeface="+mn-cs"/>
+              </a:rPr>
+              <a:t>Erfunden von und benannt nach Pascal Paillier im Jahr 1999</a:t>
+            </a:r>
+          </a:p>
+          <a:p>
+            <a:r>
+              <a:rPr lang="de-AT" sz="1200" kern="1200" dirty="0">
+                <a:solidFill>
+                  <a:schemeClr val="tx1"/>
+                </a:solidFill>
+                <a:effectLst/>
+                <a:latin typeface="+mn-lt"/>
+                <a:ea typeface="+mn-ea"/>
+                <a:cs typeface="+mn-cs"/>
+              </a:rPr>
+              <a:t>Ist ein additives homomorphes Verschlüsselungsverfahren</a:t>
+            </a:r>
+          </a:p>
+          <a:p>
+            <a:r>
+              <a:rPr lang="de-AT" sz="1200" kern="1200" dirty="0">
+                <a:solidFill>
+                  <a:schemeClr val="tx1"/>
+                </a:solidFill>
+                <a:effectLst/>
+                <a:latin typeface="+mn-lt"/>
+                <a:ea typeface="+mn-ea"/>
+                <a:cs typeface="+mn-cs"/>
+              </a:rPr>
+              <a:t>Anwendungen</a:t>
+            </a:r>
+          </a:p>
+          <a:p>
+            <a:pPr lvl="0"/>
+            <a:r>
+              <a:rPr lang="de-AT" sz="1200" kern="1200" dirty="0">
+                <a:solidFill>
+                  <a:schemeClr val="tx1"/>
+                </a:solidFill>
+                <a:effectLst/>
+                <a:latin typeface="+mn-lt"/>
+                <a:ea typeface="+mn-ea"/>
+                <a:cs typeface="+mn-cs"/>
+              </a:rPr>
+              <a:t>E-Voting</a:t>
+            </a:r>
+          </a:p>
+          <a:p>
+            <a:r>
+              <a:rPr lang="de-AT" sz="1200" kern="1200" dirty="0">
+                <a:solidFill>
+                  <a:schemeClr val="tx1"/>
+                </a:solidFill>
+                <a:effectLst/>
+                <a:latin typeface="+mn-lt"/>
+                <a:ea typeface="+mn-ea"/>
+                <a:cs typeface="+mn-cs"/>
+              </a:rPr>
+              <a:t>Nachdem alle Wahlberechtigten ihre Stimmen verschlüsselt übermittelt haben, wird das Ergebnis aus diesen berechnet und dann entschlüsselt. Für die Errechnung des Ergebnisses wird der Private-Key nicht benötigt. </a:t>
+            </a:r>
+          </a:p>
+          <a:p>
+            <a:pPr lvl="0"/>
+            <a:r>
+              <a:rPr lang="de-AT" sz="1200" kern="1200" dirty="0">
+                <a:solidFill>
+                  <a:schemeClr val="tx1"/>
+                </a:solidFill>
+                <a:effectLst/>
+                <a:latin typeface="+mn-lt"/>
+                <a:ea typeface="+mn-ea"/>
+                <a:cs typeface="+mn-cs"/>
+              </a:rPr>
+              <a:t>Zero-Knowledge Beweis</a:t>
+            </a:r>
+          </a:p>
+          <a:p>
+            <a:r>
+              <a:rPr lang="de-AT" sz="1200" kern="1200" dirty="0">
+                <a:solidFill>
+                  <a:schemeClr val="tx1"/>
+                </a:solidFill>
+                <a:effectLst/>
+                <a:latin typeface="+mn-lt"/>
+                <a:ea typeface="+mn-ea"/>
+                <a:cs typeface="+mn-cs"/>
+              </a:rPr>
+              <a:t>Ist eine Methode, mit der eine Partei einer anderen Partei beweisen kann, dass sie über Wissen verfügen ohne Informationen über dieses Wissen weiter zu geben.  </a:t>
+            </a:r>
+          </a:p>
+          <a:p>
+            <a:r>
+              <a:rPr lang="de-AT" sz="1200" kern="1200" dirty="0">
+                <a:solidFill>
+                  <a:schemeClr val="tx1"/>
+                </a:solidFill>
+                <a:effectLst/>
+                <a:latin typeface="+mn-lt"/>
+                <a:ea typeface="+mn-ea"/>
+                <a:cs typeface="+mn-cs"/>
+              </a:rPr>
+              <a:t>Beispiel: 2 Bälle mit unterschiedlichen Farben.</a:t>
+            </a:r>
+          </a:p>
+          <a:p>
+            <a:endParaRPr lang="de-AT" dirty="0"/>
+          </a:p>
+        </p:txBody>
+      </p:sp>
+      <p:sp>
+        <p:nvSpPr>
+          <p:cNvPr id="4" name="Foliennummernplatzhalter 3"/>
+          <p:cNvSpPr>
+            <a:spLocks noGrp="1"/>
+          </p:cNvSpPr>
+          <p:nvPr>
+            <p:ph type="sldNum" sz="quarter" idx="5"/>
+          </p:nvPr>
+        </p:nvSpPr>
+        <p:spPr/>
+        <p:txBody>
+          <a:bodyPr/>
+          <a:lstStyle/>
+          <a:p>
+            <a:fld id="{DE3F3CBC-5628-473F-BCAF-CFEA381F15B3}" type="slidenum">
+              <a:rPr lang="de-AT" smtClean="0"/>
+              <a:t>27</a:t>
+            </a:fld>
+            <a:endParaRPr lang="de-AT"/>
+          </a:p>
+        </p:txBody>
+      </p:sp>
+    </p:spTree>
+    <p:extLst>
+      <p:ext uri="{BB962C8B-B14F-4D97-AF65-F5344CB8AC3E}">
+        <p14:creationId xmlns:p14="http://schemas.microsoft.com/office/powerpoint/2010/main" val="3516832268"/>
+      </p:ext>
+    </p:extLst>
+  </p:cSld>
+  <p:clrMapOvr>
+    <a:masterClrMapping/>
+  </p:clrMapOvr>
+</p:notes>
+</file>
+
+<file path=ppt/notesSlides/notesSlide10.xml><?xml version="1.0" encoding="utf-8"?>
+<p:notes xmlns:a="http://schemas.openxmlformats.org/drawingml/2006/main" xmlns:r="http://schemas.openxmlformats.org/officeDocument/2006/relationships" xmlns:p="http://schemas.openxmlformats.org/presentationml/2006/main">
+  <p:cSld>
+    <p:spTree>
+      <p:nvGrpSpPr>
+        <p:cNvPr id="1" name=""/>
+        <p:cNvGrpSpPr/>
+        <p:nvPr/>
+      </p:nvGrpSpPr>
+      <p:grpSpPr>
+        <a:xfrm>
+          <a:off x="0" y="0"/>
+          <a:ext cx="0" cy="0"/>
+          <a:chOff x="0" y="0"/>
+          <a:chExt cx="0" cy="0"/>
+        </a:xfrm>
+      </p:grpSpPr>
+      <p:sp>
+        <p:nvSpPr>
+          <p:cNvPr id="2" name="Folienbildplatzhalter 1"/>
+          <p:cNvSpPr>
+            <a:spLocks noGrp="1" noRot="1" noChangeAspect="1"/>
+          </p:cNvSpPr>
+          <p:nvPr>
+            <p:ph type="sldImg"/>
+          </p:nvPr>
+        </p:nvSpPr>
+        <p:spPr/>
+      </p:sp>
+      <p:sp>
+        <p:nvSpPr>
+          <p:cNvPr id="3" name="Notizenplatzhalter 2"/>
+          <p:cNvSpPr>
+            <a:spLocks noGrp="1"/>
+          </p:cNvSpPr>
+          <p:nvPr>
+            <p:ph type="body" idx="1"/>
+          </p:nvPr>
+        </p:nvSpPr>
+        <p:spPr/>
+        <p:txBody>
+          <a:bodyPr/>
+          <a:lstStyle/>
+          <a:p>
+            <a:pPr marL="0" marR="0" lvl="0" indent="0" algn="l" defTabSz="914400" rtl="0" eaLnBrk="1" fontAlgn="auto" latinLnBrk="0" hangingPunct="1">
+              <a:lnSpc>
+                <a:spcPct val="100000"/>
+              </a:lnSpc>
+              <a:spcBef>
+                <a:spcPts val="0"/>
+              </a:spcBef>
+              <a:spcAft>
+                <a:spcPts val="0"/>
+              </a:spcAft>
+              <a:buClrTx/>
+              <a:buSzTx/>
+              <a:buFontTx/>
+              <a:buNone/>
+              <a:tabLst/>
+              <a:defRPr/>
+            </a:pPr>
+            <a:r>
+              <a:rPr lang="de-AT" sz="1200" kern="1200" dirty="0">
+                <a:solidFill>
+                  <a:schemeClr val="tx1"/>
+                </a:solidFill>
+                <a:effectLst/>
+                <a:latin typeface="+mn-lt"/>
+                <a:ea typeface="+mn-ea"/>
+                <a:cs typeface="+mn-cs"/>
+              </a:rPr>
+              <a:t>Aufpassen muss man hier nur, dass wenn zuerst mit Goldwasser-Micali verschlüsselt wird und dann mit RSA. Dann muss bei der Entschlüsselung zuerst mit RSA entschlüsselt und dann mit Goldwasser-Micali entschlüsselt werden.</a:t>
+            </a:r>
+          </a:p>
+          <a:p>
+            <a:endParaRPr lang="de-AT" dirty="0"/>
+          </a:p>
+        </p:txBody>
+      </p:sp>
+      <p:sp>
+        <p:nvSpPr>
+          <p:cNvPr id="4" name="Foliennummernplatzhalter 3"/>
+          <p:cNvSpPr>
+            <a:spLocks noGrp="1"/>
+          </p:cNvSpPr>
+          <p:nvPr>
+            <p:ph type="sldNum" sz="quarter" idx="5"/>
+          </p:nvPr>
+        </p:nvSpPr>
+        <p:spPr/>
+        <p:txBody>
+          <a:bodyPr/>
+          <a:lstStyle/>
+          <a:p>
+            <a:fld id="{DE3F3CBC-5628-473F-BCAF-CFEA381F15B3}" type="slidenum">
+              <a:rPr lang="de-AT" smtClean="0"/>
+              <a:t>38</a:t>
+            </a:fld>
+            <a:endParaRPr lang="de-AT"/>
+          </a:p>
+        </p:txBody>
+      </p:sp>
+    </p:spTree>
+    <p:extLst>
+      <p:ext uri="{BB962C8B-B14F-4D97-AF65-F5344CB8AC3E}">
+        <p14:creationId xmlns:p14="http://schemas.microsoft.com/office/powerpoint/2010/main" val="2654536506"/>
+      </p:ext>
+    </p:extLst>
+  </p:cSld>
+  <p:clrMapOvr>
+    <a:masterClrMapping/>
+  </p:clrMapOvr>
+</p:notes>
+</file>
+
+<file path=ppt/notesSlides/notesSlide2.xml><?xml version="1.0" encoding="utf-8"?>
+<p:notes xmlns:a="http://schemas.openxmlformats.org/drawingml/2006/main" xmlns:r="http://schemas.openxmlformats.org/officeDocument/2006/relationships" xmlns:p="http://schemas.openxmlformats.org/presentationml/2006/main">
+  <p:cSld>
+    <p:spTree>
+      <p:nvGrpSpPr>
+        <p:cNvPr id="1" name=""/>
+        <p:cNvGrpSpPr/>
+        <p:nvPr/>
+      </p:nvGrpSpPr>
+      <p:grpSpPr>
+        <a:xfrm>
+          <a:off x="0" y="0"/>
+          <a:ext cx="0" cy="0"/>
+          <a:chOff x="0" y="0"/>
+          <a:chExt cx="0" cy="0"/>
+        </a:xfrm>
+      </p:grpSpPr>
+      <p:sp>
+        <p:nvSpPr>
+          <p:cNvPr id="2" name="Folienbildplatzhalter 1"/>
+          <p:cNvSpPr>
+            <a:spLocks noGrp="1" noRot="1" noChangeAspect="1"/>
+          </p:cNvSpPr>
+          <p:nvPr>
+            <p:ph type="sldImg"/>
+          </p:nvPr>
+        </p:nvSpPr>
+        <p:spPr/>
+      </p:sp>
+      <p:sp>
+        <p:nvSpPr>
+          <p:cNvPr id="3" name="Notizenplatzhalter 2"/>
+          <p:cNvSpPr>
+            <a:spLocks noGrp="1"/>
+          </p:cNvSpPr>
+          <p:nvPr>
+            <p:ph type="body" idx="1"/>
+          </p:nvPr>
+        </p:nvSpPr>
+        <p:spPr/>
+        <p:txBody>
+          <a:bodyPr/>
+          <a:lstStyle/>
+          <a:p>
+            <a:r>
+              <a:rPr lang="de-AT" sz="1200" kern="1200" dirty="0">
+                <a:solidFill>
+                  <a:schemeClr val="tx1"/>
+                </a:solidFill>
+                <a:effectLst/>
+                <a:latin typeface="+mn-lt"/>
+                <a:ea typeface="+mn-ea"/>
+                <a:cs typeface="+mn-cs"/>
+              </a:rPr>
+              <a:t>Man wählt zwei ausreichend große Primzahlen p und q. Ausreichend groß entspricht 1024 Bit, also Zahlen mit je 309 Ziffern. </a:t>
+            </a:r>
+          </a:p>
+          <a:p>
+            <a:r>
+              <a:rPr lang="de-AT" sz="1200" kern="1200" dirty="0">
+                <a:solidFill>
+                  <a:schemeClr val="tx1"/>
+                </a:solidFill>
+                <a:effectLst/>
+                <a:latin typeface="+mn-lt"/>
+                <a:ea typeface="+mn-ea"/>
+                <a:cs typeface="+mn-cs"/>
+              </a:rPr>
+              <a:t>Danach berechnet man n. n ist das Produkt von p und q. Danach berechnet man l als das kleinste gemeinsame Vielfache von (p-1) und (q-1). Vereinfacht kann man auch l = (p-1)(q-1) setzen.</a:t>
+            </a:r>
+          </a:p>
+          <a:p>
+            <a:r>
+              <a:rPr lang="de-AT" sz="1200" kern="1200" dirty="0">
+                <a:solidFill>
+                  <a:schemeClr val="tx1"/>
+                </a:solidFill>
+                <a:effectLst/>
+                <a:latin typeface="+mn-lt"/>
+                <a:ea typeface="+mn-ea"/>
+                <a:cs typeface="+mn-cs"/>
+              </a:rPr>
+              <a:t>Man wählt dann noch ein zufälliges g aus dem Restklassenring modulo n², oder vereinfacht setzt man g auf n+1. </a:t>
+            </a:r>
+          </a:p>
+          <a:p>
+            <a:r>
+              <a:rPr lang="de-AT" sz="1200" kern="1200" dirty="0">
+                <a:solidFill>
+                  <a:schemeClr val="tx1"/>
+                </a:solidFill>
+                <a:effectLst/>
+                <a:latin typeface="+mn-lt"/>
+                <a:ea typeface="+mn-ea"/>
+                <a:cs typeface="+mn-cs"/>
+              </a:rPr>
+              <a:t>Außerdem benötigt man noch das multiplikative Inverse m zu l modulo n.</a:t>
+            </a:r>
+          </a:p>
+          <a:p>
+            <a:r>
+              <a:rPr lang="de-AT" sz="1200" kern="1200" dirty="0">
+                <a:solidFill>
+                  <a:schemeClr val="tx1"/>
+                </a:solidFill>
+                <a:effectLst/>
+                <a:latin typeface="+mn-lt"/>
+                <a:ea typeface="+mn-ea"/>
+                <a:cs typeface="+mn-cs"/>
+              </a:rPr>
+              <a:t>Daraus ergibt sich der Public Key (</a:t>
+            </a:r>
+            <a:r>
+              <a:rPr lang="de-AT" sz="1200" kern="1200" dirty="0" err="1">
+                <a:solidFill>
+                  <a:schemeClr val="tx1"/>
+                </a:solidFill>
+                <a:effectLst/>
+                <a:latin typeface="+mn-lt"/>
+                <a:ea typeface="+mn-ea"/>
+                <a:cs typeface="+mn-cs"/>
+              </a:rPr>
+              <a:t>n,g</a:t>
+            </a:r>
+            <a:r>
+              <a:rPr lang="de-AT" sz="1200" kern="1200" dirty="0">
+                <a:solidFill>
+                  <a:schemeClr val="tx1"/>
+                </a:solidFill>
+                <a:effectLst/>
+                <a:latin typeface="+mn-lt"/>
+                <a:ea typeface="+mn-ea"/>
+                <a:cs typeface="+mn-cs"/>
+              </a:rPr>
+              <a:t>) und der Private Key (</a:t>
+            </a:r>
+            <a:r>
+              <a:rPr lang="de-AT" sz="1200" kern="1200" dirty="0" err="1">
+                <a:solidFill>
+                  <a:schemeClr val="tx1"/>
+                </a:solidFill>
+                <a:effectLst/>
+                <a:latin typeface="+mn-lt"/>
+                <a:ea typeface="+mn-ea"/>
+                <a:cs typeface="+mn-cs"/>
+              </a:rPr>
+              <a:t>l,m</a:t>
+            </a:r>
+            <a:r>
+              <a:rPr lang="de-AT" sz="1200" kern="1200" dirty="0">
+                <a:solidFill>
+                  <a:schemeClr val="tx1"/>
+                </a:solidFill>
+                <a:effectLst/>
+                <a:latin typeface="+mn-lt"/>
+                <a:ea typeface="+mn-ea"/>
+                <a:cs typeface="+mn-cs"/>
+              </a:rPr>
+              <a:t>)</a:t>
+            </a:r>
+          </a:p>
+          <a:p>
+            <a:endParaRPr lang="de-AT" dirty="0"/>
+          </a:p>
+        </p:txBody>
+      </p:sp>
+      <p:sp>
+        <p:nvSpPr>
+          <p:cNvPr id="4" name="Foliennummernplatzhalter 3"/>
+          <p:cNvSpPr>
+            <a:spLocks noGrp="1"/>
+          </p:cNvSpPr>
+          <p:nvPr>
+            <p:ph type="sldNum" sz="quarter" idx="5"/>
+          </p:nvPr>
+        </p:nvSpPr>
+        <p:spPr/>
+        <p:txBody>
+          <a:bodyPr/>
+          <a:lstStyle/>
+          <a:p>
+            <a:fld id="{DE3F3CBC-5628-473F-BCAF-CFEA381F15B3}" type="slidenum">
+              <a:rPr lang="de-AT" smtClean="0"/>
+              <a:t>28</a:t>
+            </a:fld>
+            <a:endParaRPr lang="de-AT"/>
+          </a:p>
+        </p:txBody>
+      </p:sp>
+    </p:spTree>
+    <p:extLst>
+      <p:ext uri="{BB962C8B-B14F-4D97-AF65-F5344CB8AC3E}">
+        <p14:creationId xmlns:p14="http://schemas.microsoft.com/office/powerpoint/2010/main" val="2358926897"/>
+      </p:ext>
+    </p:extLst>
+  </p:cSld>
+  <p:clrMapOvr>
+    <a:masterClrMapping/>
+  </p:clrMapOvr>
+</p:notes>
+</file>
+
+<file path=ppt/notesSlides/notesSlide3.xml><?xml version="1.0" encoding="utf-8"?>
+<p:notes xmlns:a="http://schemas.openxmlformats.org/drawingml/2006/main" xmlns:r="http://schemas.openxmlformats.org/officeDocument/2006/relationships" xmlns:p="http://schemas.openxmlformats.org/presentationml/2006/main">
+  <p:cSld>
+    <p:spTree>
+      <p:nvGrpSpPr>
+        <p:cNvPr id="1" name=""/>
+        <p:cNvGrpSpPr/>
+        <p:nvPr/>
+      </p:nvGrpSpPr>
+      <p:grpSpPr>
+        <a:xfrm>
+          <a:off x="0" y="0"/>
+          <a:ext cx="0" cy="0"/>
+          <a:chOff x="0" y="0"/>
+          <a:chExt cx="0" cy="0"/>
+        </a:xfrm>
+      </p:grpSpPr>
+      <p:sp>
+        <p:nvSpPr>
+          <p:cNvPr id="2" name="Folienbildplatzhalter 1"/>
+          <p:cNvSpPr>
+            <a:spLocks noGrp="1" noRot="1" noChangeAspect="1"/>
+          </p:cNvSpPr>
+          <p:nvPr>
+            <p:ph type="sldImg"/>
+          </p:nvPr>
+        </p:nvSpPr>
+        <p:spPr/>
+      </p:sp>
+      <p:sp>
+        <p:nvSpPr>
+          <p:cNvPr id="3" name="Notizenplatzhalter 2"/>
+          <p:cNvSpPr>
+            <a:spLocks noGrp="1"/>
+          </p:cNvSpPr>
+          <p:nvPr>
+            <p:ph type="body" idx="1"/>
+          </p:nvPr>
+        </p:nvSpPr>
+        <p:spPr/>
+        <p:txBody>
+          <a:bodyPr/>
+          <a:lstStyle/>
+          <a:p>
+            <a:r>
+              <a:rPr lang="de-AT" sz="1200" kern="1200" dirty="0">
+                <a:solidFill>
+                  <a:schemeClr val="tx1"/>
+                </a:solidFill>
+                <a:effectLst/>
+                <a:latin typeface="+mn-lt"/>
+                <a:ea typeface="+mn-ea"/>
+                <a:cs typeface="+mn-cs"/>
+              </a:rPr>
+              <a:t>Zur Berechnung des Ciphertextes mit dem Public Key (</a:t>
+            </a:r>
+            <a:r>
+              <a:rPr lang="de-AT" sz="1200" kern="1200" dirty="0" err="1">
+                <a:solidFill>
+                  <a:schemeClr val="tx1"/>
+                </a:solidFill>
+                <a:effectLst/>
+                <a:latin typeface="+mn-lt"/>
+                <a:ea typeface="+mn-ea"/>
+                <a:cs typeface="+mn-cs"/>
+              </a:rPr>
+              <a:t>n,g</a:t>
+            </a:r>
+            <a:r>
+              <a:rPr lang="de-AT" sz="1200" kern="1200" dirty="0">
+                <a:solidFill>
+                  <a:schemeClr val="tx1"/>
+                </a:solidFill>
+                <a:effectLst/>
+                <a:latin typeface="+mn-lt"/>
+                <a:ea typeface="+mn-ea"/>
+                <a:cs typeface="+mn-cs"/>
+              </a:rPr>
+              <a:t>) braucht man noch eine Zufallszahl r, für die gilt: </a:t>
+            </a:r>
+            <a:r>
+              <a:rPr lang="de-AT" sz="1200" kern="1200" dirty="0" err="1">
+                <a:solidFill>
+                  <a:schemeClr val="tx1"/>
+                </a:solidFill>
+                <a:effectLst/>
+                <a:latin typeface="+mn-lt"/>
+                <a:ea typeface="+mn-ea"/>
+                <a:cs typeface="+mn-cs"/>
+              </a:rPr>
+              <a:t>ggT</a:t>
+            </a:r>
+            <a:r>
+              <a:rPr lang="de-AT" sz="1200" kern="1200" dirty="0">
+                <a:solidFill>
+                  <a:schemeClr val="tx1"/>
+                </a:solidFill>
+                <a:effectLst/>
+                <a:latin typeface="+mn-lt"/>
+                <a:ea typeface="+mn-ea"/>
+                <a:cs typeface="+mn-cs"/>
+              </a:rPr>
+              <a:t>(</a:t>
+            </a:r>
+            <a:r>
+              <a:rPr lang="de-AT" sz="1200" kern="1200" dirty="0" err="1">
+                <a:solidFill>
+                  <a:schemeClr val="tx1"/>
+                </a:solidFill>
+                <a:effectLst/>
+                <a:latin typeface="+mn-lt"/>
+                <a:ea typeface="+mn-ea"/>
+                <a:cs typeface="+mn-cs"/>
+              </a:rPr>
+              <a:t>r,n</a:t>
+            </a:r>
+            <a:r>
+              <a:rPr lang="de-AT" sz="1200" kern="1200" dirty="0">
+                <a:solidFill>
+                  <a:schemeClr val="tx1"/>
+                </a:solidFill>
+                <a:effectLst/>
+                <a:latin typeface="+mn-lt"/>
+                <a:ea typeface="+mn-ea"/>
+                <a:cs typeface="+mn-cs"/>
+              </a:rPr>
+              <a:t>) = 1 und 0 &lt; r &lt; n.</a:t>
+            </a:r>
+          </a:p>
+          <a:p>
+            <a:r>
+              <a:rPr lang="de-AT" sz="1200" kern="1200" dirty="0">
+                <a:solidFill>
+                  <a:schemeClr val="tx1"/>
+                </a:solidFill>
+                <a:effectLst/>
+                <a:latin typeface="+mn-lt"/>
+                <a:ea typeface="+mn-ea"/>
+                <a:cs typeface="+mn-cs"/>
+              </a:rPr>
+              <a:t>Dann ergibt sich der Ciphertext c einer Nachricht m mit der Formel:</a:t>
+            </a:r>
+          </a:p>
+          <a:p>
+            <a:endParaRPr lang="de-AT" dirty="0"/>
+          </a:p>
+        </p:txBody>
+      </p:sp>
+      <p:sp>
+        <p:nvSpPr>
+          <p:cNvPr id="4" name="Foliennummernplatzhalter 3"/>
+          <p:cNvSpPr>
+            <a:spLocks noGrp="1"/>
+          </p:cNvSpPr>
+          <p:nvPr>
+            <p:ph type="sldNum" sz="quarter" idx="5"/>
+          </p:nvPr>
+        </p:nvSpPr>
+        <p:spPr/>
+        <p:txBody>
+          <a:bodyPr/>
+          <a:lstStyle/>
+          <a:p>
+            <a:fld id="{DE3F3CBC-5628-473F-BCAF-CFEA381F15B3}" type="slidenum">
+              <a:rPr lang="de-AT" smtClean="0"/>
+              <a:t>29</a:t>
+            </a:fld>
+            <a:endParaRPr lang="de-AT"/>
+          </a:p>
+        </p:txBody>
+      </p:sp>
+    </p:spTree>
+    <p:extLst>
+      <p:ext uri="{BB962C8B-B14F-4D97-AF65-F5344CB8AC3E}">
+        <p14:creationId xmlns:p14="http://schemas.microsoft.com/office/powerpoint/2010/main" val="873649418"/>
+      </p:ext>
+    </p:extLst>
+  </p:cSld>
+  <p:clrMapOvr>
+    <a:masterClrMapping/>
+  </p:clrMapOvr>
+</p:notes>
+</file>
+
+<file path=ppt/notesSlides/notesSlide4.xml><?xml version="1.0" encoding="utf-8"?>
+<p:notes xmlns:a="http://schemas.openxmlformats.org/drawingml/2006/main" xmlns:r="http://schemas.openxmlformats.org/officeDocument/2006/relationships" xmlns:p="http://schemas.openxmlformats.org/presentationml/2006/main">
+  <p:cSld>
+    <p:spTree>
+      <p:nvGrpSpPr>
+        <p:cNvPr id="1" name=""/>
+        <p:cNvGrpSpPr/>
+        <p:nvPr/>
+      </p:nvGrpSpPr>
+      <p:grpSpPr>
+        <a:xfrm>
+          <a:off x="0" y="0"/>
+          <a:ext cx="0" cy="0"/>
+          <a:chOff x="0" y="0"/>
+          <a:chExt cx="0" cy="0"/>
+        </a:xfrm>
+      </p:grpSpPr>
+      <p:sp>
+        <p:nvSpPr>
+          <p:cNvPr id="2" name="Folienbildplatzhalter 1"/>
+          <p:cNvSpPr>
+            <a:spLocks noGrp="1" noRot="1" noChangeAspect="1"/>
+          </p:cNvSpPr>
+          <p:nvPr>
+            <p:ph type="sldImg"/>
+          </p:nvPr>
+        </p:nvSpPr>
+        <p:spPr/>
+      </p:sp>
+      <p:sp>
+        <p:nvSpPr>
+          <p:cNvPr id="3" name="Notizenplatzhalter 2"/>
+          <p:cNvSpPr>
+            <a:spLocks noGrp="1"/>
+          </p:cNvSpPr>
+          <p:nvPr>
+            <p:ph type="body" idx="1"/>
+          </p:nvPr>
+        </p:nvSpPr>
+        <p:spPr/>
+        <p:txBody>
+          <a:bodyPr/>
+          <a:lstStyle/>
+          <a:p>
+            <a:pPr marL="0" marR="0" lvl="0" indent="0" algn="l" defTabSz="914400" rtl="0" eaLnBrk="1" fontAlgn="auto" latinLnBrk="0" hangingPunct="1">
+              <a:lnSpc>
+                <a:spcPct val="100000"/>
+              </a:lnSpc>
+              <a:spcBef>
+                <a:spcPts val="0"/>
+              </a:spcBef>
+              <a:spcAft>
+                <a:spcPts val="0"/>
+              </a:spcAft>
+              <a:buClrTx/>
+              <a:buSzTx/>
+              <a:buFontTx/>
+              <a:buNone/>
+              <a:tabLst/>
+              <a:defRPr/>
+            </a:pPr>
+            <a:r>
+              <a:rPr lang="de-AT" sz="1200" kern="1200" dirty="0">
+                <a:solidFill>
+                  <a:schemeClr val="tx1"/>
+                </a:solidFill>
+                <a:effectLst/>
+                <a:latin typeface="+mn-lt"/>
+                <a:ea typeface="+mn-ea"/>
+                <a:cs typeface="+mn-cs"/>
+              </a:rPr>
+              <a:t>Man berechnet die Nachricht m aus dem Ciphertext c mit Hilfe des Private Keys (</a:t>
+            </a:r>
+            <a:r>
+              <a:rPr lang="de-AT" sz="1200" kern="1200" dirty="0" err="1">
+                <a:solidFill>
+                  <a:schemeClr val="tx1"/>
+                </a:solidFill>
+                <a:effectLst/>
+                <a:latin typeface="+mn-lt"/>
+                <a:ea typeface="+mn-ea"/>
+                <a:cs typeface="+mn-cs"/>
+              </a:rPr>
+              <a:t>l,m</a:t>
+            </a:r>
+            <a:r>
+              <a:rPr lang="de-AT" sz="1200" kern="1200" dirty="0">
+                <a:solidFill>
+                  <a:schemeClr val="tx1"/>
+                </a:solidFill>
+                <a:effectLst/>
+                <a:latin typeface="+mn-lt"/>
+                <a:ea typeface="+mn-ea"/>
+                <a:cs typeface="+mn-cs"/>
+              </a:rPr>
+              <a:t>) (und des Public Keys  (</a:t>
+            </a:r>
+            <a:r>
+              <a:rPr lang="de-AT" sz="1200" kern="1200" dirty="0" err="1">
+                <a:solidFill>
+                  <a:schemeClr val="tx1"/>
+                </a:solidFill>
+                <a:effectLst/>
+                <a:latin typeface="+mn-lt"/>
+                <a:ea typeface="+mn-ea"/>
+                <a:cs typeface="+mn-cs"/>
+              </a:rPr>
+              <a:t>n,g</a:t>
+            </a:r>
+            <a:r>
+              <a:rPr lang="de-AT" sz="1200" kern="1200" dirty="0">
+                <a:solidFill>
+                  <a:schemeClr val="tx1"/>
+                </a:solidFill>
+                <a:effectLst/>
+                <a:latin typeface="+mn-lt"/>
+                <a:ea typeface="+mn-ea"/>
+                <a:cs typeface="+mn-cs"/>
+              </a:rPr>
+              <a:t>) natürlich) durch die Formel </a:t>
+            </a:r>
+          </a:p>
+          <a:p>
+            <a:endParaRPr lang="de-AT" dirty="0"/>
+          </a:p>
+        </p:txBody>
+      </p:sp>
+      <p:sp>
+        <p:nvSpPr>
+          <p:cNvPr id="4" name="Foliennummernplatzhalter 3"/>
+          <p:cNvSpPr>
+            <a:spLocks noGrp="1"/>
+          </p:cNvSpPr>
+          <p:nvPr>
+            <p:ph type="sldNum" sz="quarter" idx="5"/>
+          </p:nvPr>
+        </p:nvSpPr>
+        <p:spPr/>
+        <p:txBody>
+          <a:bodyPr/>
+          <a:lstStyle/>
+          <a:p>
+            <a:fld id="{DE3F3CBC-5628-473F-BCAF-CFEA381F15B3}" type="slidenum">
+              <a:rPr lang="de-AT" smtClean="0"/>
+              <a:t>30</a:t>
+            </a:fld>
+            <a:endParaRPr lang="de-AT"/>
+          </a:p>
+        </p:txBody>
+      </p:sp>
+    </p:spTree>
+    <p:extLst>
+      <p:ext uri="{BB962C8B-B14F-4D97-AF65-F5344CB8AC3E}">
+        <p14:creationId xmlns:p14="http://schemas.microsoft.com/office/powerpoint/2010/main" val="4082828499"/>
+      </p:ext>
+    </p:extLst>
+  </p:cSld>
+  <p:clrMapOvr>
+    <a:masterClrMapping/>
+  </p:clrMapOvr>
+</p:notes>
+</file>
+
+<file path=ppt/notesSlides/notesSlide5.xml><?xml version="1.0" encoding="utf-8"?>
+<p:notes xmlns:a="http://schemas.openxmlformats.org/drawingml/2006/main" xmlns:r="http://schemas.openxmlformats.org/officeDocument/2006/relationships" xmlns:p="http://schemas.openxmlformats.org/presentationml/2006/main">
+  <p:cSld>
+    <p:spTree>
+      <p:nvGrpSpPr>
+        <p:cNvPr id="1" name=""/>
+        <p:cNvGrpSpPr/>
+        <p:nvPr/>
+      </p:nvGrpSpPr>
+      <p:grpSpPr>
+        <a:xfrm>
+          <a:off x="0" y="0"/>
+          <a:ext cx="0" cy="0"/>
+          <a:chOff x="0" y="0"/>
+          <a:chExt cx="0" cy="0"/>
+        </a:xfrm>
+      </p:grpSpPr>
+      <p:sp>
+        <p:nvSpPr>
+          <p:cNvPr id="2" name="Folienbildplatzhalter 1"/>
+          <p:cNvSpPr>
+            <a:spLocks noGrp="1" noRot="1" noChangeAspect="1"/>
+          </p:cNvSpPr>
+          <p:nvPr>
+            <p:ph type="sldImg"/>
+          </p:nvPr>
+        </p:nvSpPr>
+        <p:spPr/>
+      </p:sp>
+      <p:sp>
+        <p:nvSpPr>
+          <p:cNvPr id="3" name="Notizenplatzhalter 2"/>
+          <p:cNvSpPr>
+            <a:spLocks noGrp="1"/>
+          </p:cNvSpPr>
+          <p:nvPr>
+            <p:ph type="body" idx="1"/>
+          </p:nvPr>
+        </p:nvSpPr>
+        <p:spPr/>
+        <p:txBody>
+          <a:bodyPr/>
+          <a:lstStyle/>
+          <a:p>
+            <a:endParaRPr lang="de-AT" dirty="0"/>
+          </a:p>
+        </p:txBody>
+      </p:sp>
+      <p:sp>
+        <p:nvSpPr>
+          <p:cNvPr id="4" name="Foliennummernplatzhalter 3"/>
+          <p:cNvSpPr>
+            <a:spLocks noGrp="1"/>
+          </p:cNvSpPr>
+          <p:nvPr>
+            <p:ph type="sldNum" sz="quarter" idx="5"/>
+          </p:nvPr>
+        </p:nvSpPr>
+        <p:spPr/>
+        <p:txBody>
+          <a:bodyPr/>
+          <a:lstStyle/>
+          <a:p>
+            <a:fld id="{DE3F3CBC-5628-473F-BCAF-CFEA381F15B3}" type="slidenum">
+              <a:rPr lang="de-AT" smtClean="0"/>
+              <a:t>33</a:t>
+            </a:fld>
+            <a:endParaRPr lang="de-AT"/>
+          </a:p>
+        </p:txBody>
+      </p:sp>
+    </p:spTree>
+    <p:extLst>
+      <p:ext uri="{BB962C8B-B14F-4D97-AF65-F5344CB8AC3E}">
+        <p14:creationId xmlns:p14="http://schemas.microsoft.com/office/powerpoint/2010/main" val="2600639232"/>
+      </p:ext>
+    </p:extLst>
+  </p:cSld>
+  <p:clrMapOvr>
+    <a:masterClrMapping/>
+  </p:clrMapOvr>
+</p:notes>
+</file>
+
+<file path=ppt/notesSlides/notesSlide6.xml><?xml version="1.0" encoding="utf-8"?>
+<p:notes xmlns:a="http://schemas.openxmlformats.org/drawingml/2006/main" xmlns:r="http://schemas.openxmlformats.org/officeDocument/2006/relationships" xmlns:p="http://schemas.openxmlformats.org/presentationml/2006/main">
+  <p:cSld>
+    <p:spTree>
+      <p:nvGrpSpPr>
+        <p:cNvPr id="1" name=""/>
+        <p:cNvGrpSpPr/>
+        <p:nvPr/>
+      </p:nvGrpSpPr>
+      <p:grpSpPr>
+        <a:xfrm>
+          <a:off x="0" y="0"/>
+          <a:ext cx="0" cy="0"/>
+          <a:chOff x="0" y="0"/>
+          <a:chExt cx="0" cy="0"/>
+        </a:xfrm>
+      </p:grpSpPr>
+      <p:sp>
+        <p:nvSpPr>
+          <p:cNvPr id="2" name="Folienbildplatzhalter 1"/>
+          <p:cNvSpPr>
+            <a:spLocks noGrp="1" noRot="1" noChangeAspect="1"/>
+          </p:cNvSpPr>
+          <p:nvPr>
+            <p:ph type="sldImg"/>
+          </p:nvPr>
+        </p:nvSpPr>
+        <p:spPr/>
+      </p:sp>
+      <mc:AlternateContent xmlns:mc="http://schemas.openxmlformats.org/markup-compatibility/2006">
+        <mc:Choice xmlns:a14="http://schemas.microsoft.com/office/drawing/2010/main" Requires="a14">
+          <p:sp>
+            <p:nvSpPr>
+              <p:cNvPr id="3" name="Notizenplatzhalter 2"/>
+              <p:cNvSpPr>
+                <a:spLocks noGrp="1"/>
+              </p:cNvSpPr>
+              <p:nvPr>
+                <p:ph type="body" idx="1"/>
+              </p:nvPr>
+            </p:nvSpPr>
+            <p:spPr/>
+            <p:txBody>
+              <a:bodyPr/>
+              <a:lstStyle/>
+              <a:p>
+                <a:r>
+                  <a:rPr lang="de-AT" sz="1200" kern="1200" dirty="0">
+                    <a:solidFill>
+                      <a:schemeClr val="tx1"/>
+                    </a:solidFill>
+                    <a:effectLst/>
+                    <a:latin typeface="+mn-lt"/>
+                    <a:ea typeface="+mn-ea"/>
+                    <a:cs typeface="+mn-cs"/>
+                  </a:rPr>
+                  <a:t>Eine Funktion behält die Ringstruktur von </a:t>
+                </a:r>
+                <a14:m>
+                  <m:oMath xmlns:m="http://schemas.openxmlformats.org/officeDocument/2006/math">
+                    <m:d>
+                      <m:dPr>
+                        <m:ctrlPr>
+                          <a:rPr lang="de-AT" sz="1200" i="1" kern="1200">
+                            <a:solidFill>
+                              <a:schemeClr val="tx1"/>
+                            </a:solidFill>
+                            <a:effectLst/>
+                            <a:latin typeface="+mn-lt"/>
+                            <a:ea typeface="+mn-ea"/>
+                            <a:cs typeface="+mn-cs"/>
+                          </a:rPr>
+                        </m:ctrlPr>
+                      </m:dPr>
+                      <m:e>
+                        <m:r>
+                          <m:rPr>
+                            <m:sty m:val="p"/>
+                          </m:rPr>
+                          <a:rPr lang="de-AT" sz="1200" kern="1200">
+                            <a:solidFill>
+                              <a:schemeClr val="tx1"/>
+                            </a:solidFill>
+                            <a:effectLst/>
+                            <a:latin typeface="+mn-lt"/>
+                            <a:ea typeface="+mn-ea"/>
+                            <a:cs typeface="+mn-cs"/>
+                          </a:rPr>
+                          <m:t>R</m:t>
+                        </m:r>
+                        <m:r>
+                          <a:rPr lang="de-AT" sz="1200" kern="1200">
+                            <a:solidFill>
+                              <a:schemeClr val="tx1"/>
+                            </a:solidFill>
+                            <a:effectLst/>
+                            <a:latin typeface="+mn-lt"/>
+                            <a:ea typeface="+mn-ea"/>
+                            <a:cs typeface="+mn-cs"/>
+                          </a:rPr>
+                          <m:t>,</m:t>
+                        </m:r>
+                        <m:r>
+                          <a:rPr lang="de-AT" sz="1200" i="1" kern="1200">
+                            <a:solidFill>
+                              <a:schemeClr val="tx1"/>
+                            </a:solidFill>
+                            <a:effectLst/>
+                            <a:latin typeface="+mn-lt"/>
+                            <a:ea typeface="+mn-ea"/>
+                            <a:cs typeface="+mn-cs"/>
+                          </a:rPr>
+                          <m:t> </m:t>
+                        </m:r>
+                        <m:r>
+                          <a:rPr lang="de-AT" sz="1200" kern="1200">
+                            <a:solidFill>
+                              <a:schemeClr val="tx1"/>
+                            </a:solidFill>
+                            <a:effectLst/>
+                            <a:latin typeface="+mn-lt"/>
+                            <a:ea typeface="+mn-ea"/>
+                            <a:cs typeface="+mn-cs"/>
+                          </a:rPr>
+                          <m:t>+,</m:t>
+                        </m:r>
+                        <m:r>
+                          <a:rPr lang="de-AT" sz="1200" i="1" kern="1200">
+                            <a:solidFill>
+                              <a:schemeClr val="tx1"/>
+                            </a:solidFill>
+                            <a:effectLst/>
+                            <a:latin typeface="+mn-lt"/>
+                            <a:ea typeface="+mn-ea"/>
+                            <a:cs typeface="+mn-cs"/>
+                          </a:rPr>
+                          <m:t>  ∗</m:t>
+                        </m:r>
+                      </m:e>
+                    </m:d>
+                  </m:oMath>
+                </a14:m>
+                <a:r>
+                  <a:rPr lang="de-AT" sz="1200" kern="1200" dirty="0">
+                    <a:solidFill>
+                      <a:schemeClr val="tx1"/>
+                    </a:solidFill>
+                    <a:effectLst/>
+                    <a:latin typeface="+mn-lt"/>
+                    <a:ea typeface="+mn-ea"/>
+                    <a:cs typeface="+mn-cs"/>
+                  </a:rPr>
+                  <a:t> bei. Also </a:t>
+                </a:r>
+                <a14:m>
+                  <m:oMath xmlns:m="http://schemas.openxmlformats.org/officeDocument/2006/math">
+                    <m:d>
+                      <m:dPr>
+                        <m:ctrlPr>
+                          <a:rPr lang="de-AT" sz="1200" i="1" kern="1200">
+                            <a:solidFill>
+                              <a:schemeClr val="tx1"/>
+                            </a:solidFill>
+                            <a:effectLst/>
+                            <a:latin typeface="+mn-lt"/>
+                            <a:ea typeface="+mn-ea"/>
+                            <a:cs typeface="+mn-cs"/>
+                          </a:rPr>
+                        </m:ctrlPr>
+                      </m:dPr>
+                      <m:e>
+                        <m:r>
+                          <m:rPr>
+                            <m:sty m:val="p"/>
+                          </m:rPr>
+                          <a:rPr lang="de-AT" sz="1200" kern="1200">
+                            <a:solidFill>
+                              <a:schemeClr val="tx1"/>
+                            </a:solidFill>
+                            <a:effectLst/>
+                            <a:latin typeface="+mn-lt"/>
+                            <a:ea typeface="+mn-ea"/>
+                            <a:cs typeface="+mn-cs"/>
+                          </a:rPr>
+                          <m:t>f</m:t>
+                        </m:r>
+                        <m:r>
+                          <a:rPr lang="de-AT" sz="1200" kern="1200">
+                            <a:solidFill>
+                              <a:schemeClr val="tx1"/>
+                            </a:solidFill>
+                            <a:effectLst/>
+                            <a:latin typeface="+mn-lt"/>
+                            <a:ea typeface="+mn-ea"/>
+                            <a:cs typeface="+mn-cs"/>
+                          </a:rPr>
+                          <m:t>(</m:t>
+                        </m:r>
+                        <m:r>
+                          <m:rPr>
+                            <m:sty m:val="p"/>
+                          </m:rPr>
+                          <a:rPr lang="de-AT" sz="1200" kern="1200">
+                            <a:solidFill>
+                              <a:schemeClr val="tx1"/>
+                            </a:solidFill>
+                            <a:effectLst/>
+                            <a:latin typeface="+mn-lt"/>
+                            <a:ea typeface="+mn-ea"/>
+                            <a:cs typeface="+mn-cs"/>
+                          </a:rPr>
+                          <m:t>R</m:t>
+                        </m:r>
+                        <m:r>
+                          <a:rPr lang="de-AT" sz="1200" kern="1200">
+                            <a:solidFill>
+                              <a:schemeClr val="tx1"/>
+                            </a:solidFill>
+                            <a:effectLst/>
+                            <a:latin typeface="+mn-lt"/>
+                            <a:ea typeface="+mn-ea"/>
+                            <a:cs typeface="+mn-cs"/>
+                          </a:rPr>
+                          <m:t>),</m:t>
+                        </m:r>
+                        <m:r>
+                          <a:rPr lang="de-AT" sz="1200" i="1" kern="1200">
+                            <a:solidFill>
+                              <a:schemeClr val="tx1"/>
+                            </a:solidFill>
+                            <a:effectLst/>
+                            <a:latin typeface="+mn-lt"/>
+                            <a:ea typeface="+mn-ea"/>
+                            <a:cs typeface="+mn-cs"/>
+                          </a:rPr>
+                          <m:t> </m:t>
+                        </m:r>
+                        <m:r>
+                          <a:rPr lang="de-AT" sz="1200" kern="1200">
+                            <a:solidFill>
+                              <a:schemeClr val="tx1"/>
+                            </a:solidFill>
+                            <a:effectLst/>
+                            <a:latin typeface="+mn-lt"/>
+                            <a:ea typeface="+mn-ea"/>
+                            <a:cs typeface="+mn-cs"/>
+                          </a:rPr>
+                          <m:t>+,</m:t>
+                        </m:r>
+                        <m:r>
+                          <a:rPr lang="de-AT" sz="1200" i="1" kern="1200">
+                            <a:solidFill>
+                              <a:schemeClr val="tx1"/>
+                            </a:solidFill>
+                            <a:effectLst/>
+                            <a:latin typeface="+mn-lt"/>
+                            <a:ea typeface="+mn-ea"/>
+                            <a:cs typeface="+mn-cs"/>
+                          </a:rPr>
+                          <m:t>  ∗</m:t>
+                        </m:r>
+                      </m:e>
+                    </m:d>
+                  </m:oMath>
+                </a14:m>
+                <a:r>
+                  <a:rPr lang="de-AT" sz="1200" kern="1200" dirty="0">
+                    <a:solidFill>
+                      <a:schemeClr val="tx1"/>
+                    </a:solidFill>
+                    <a:effectLst/>
+                    <a:latin typeface="+mn-lt"/>
+                    <a:ea typeface="+mn-ea"/>
+                    <a:cs typeface="+mn-cs"/>
+                  </a:rPr>
+                  <a:t> ist immer noch ein Ring, wenn </a:t>
+                </a:r>
+                <a14:m>
+                  <m:oMath xmlns:m="http://schemas.openxmlformats.org/officeDocument/2006/math">
+                    <m:r>
+                      <m:rPr>
+                        <m:sty m:val="p"/>
+                      </m:rPr>
+                      <a:rPr lang="de-AT" sz="1200" kern="1200">
+                        <a:solidFill>
+                          <a:schemeClr val="tx1"/>
+                        </a:solidFill>
+                        <a:effectLst/>
+                        <a:latin typeface="+mn-lt"/>
+                        <a:ea typeface="+mn-ea"/>
+                        <a:cs typeface="+mn-cs"/>
+                      </a:rPr>
+                      <m:t>f</m:t>
+                    </m:r>
+                  </m:oMath>
+                </a14:m>
+                <a:r>
+                  <a:rPr lang="de-AT" sz="1200" kern="1200" dirty="0">
+                    <a:solidFill>
+                      <a:schemeClr val="tx1"/>
+                    </a:solidFill>
+                    <a:effectLst/>
+                    <a:latin typeface="+mn-lt"/>
+                    <a:ea typeface="+mn-ea"/>
+                    <a:cs typeface="+mn-cs"/>
+                  </a:rPr>
+                  <a:t> </a:t>
+                </a:r>
+                <a:r>
+                  <a:rPr lang="de-AT" sz="1200" kern="1200" dirty="0" err="1">
+                    <a:solidFill>
+                      <a:schemeClr val="tx1"/>
+                    </a:solidFill>
+                    <a:effectLst/>
+                    <a:latin typeface="+mn-lt"/>
+                    <a:ea typeface="+mn-ea"/>
+                    <a:cs typeface="+mn-cs"/>
+                  </a:rPr>
+                  <a:t>vollhomomorph</a:t>
+                </a:r>
+                <a:r>
+                  <a:rPr lang="de-AT" sz="1200" kern="1200" dirty="0">
+                    <a:solidFill>
+                      <a:schemeClr val="tx1"/>
+                    </a:solidFill>
+                    <a:effectLst/>
+                    <a:latin typeface="+mn-lt"/>
+                    <a:ea typeface="+mn-ea"/>
+                    <a:cs typeface="+mn-cs"/>
+                  </a:rPr>
+                  <a:t> ist.</a:t>
+                </a:r>
+              </a:p>
+              <a:p>
+                <a:r>
+                  <a:rPr lang="de-AT" sz="1200" kern="1200" dirty="0">
+                    <a:solidFill>
+                      <a:schemeClr val="tx1"/>
+                    </a:solidFill>
+                    <a:effectLst/>
+                    <a:latin typeface="+mn-lt"/>
+                    <a:ea typeface="+mn-ea"/>
+                    <a:cs typeface="+mn-cs"/>
+                  </a:rPr>
+                  <a:t>Das heißt bei einer Vollhomomorphen Verschlüsselung können Additionen und Multiplikationen durchgeführt werden.</a:t>
+                </a:r>
+              </a:p>
+              <a:p>
+                <a:r>
+                  <a:rPr lang="de-AT" sz="1200" kern="1200" dirty="0" err="1">
+                    <a:solidFill>
+                      <a:schemeClr val="tx1"/>
+                    </a:solidFill>
+                    <a:effectLst/>
+                    <a:latin typeface="+mn-lt"/>
+                    <a:ea typeface="+mn-ea"/>
+                    <a:cs typeface="+mn-cs"/>
+                  </a:rPr>
+                  <a:t>Gentry‘s</a:t>
+                </a:r>
+                <a:r>
+                  <a:rPr lang="de-AT" sz="1200" kern="1200" dirty="0">
+                    <a:solidFill>
+                      <a:schemeClr val="tx1"/>
+                    </a:solidFill>
+                    <a:effectLst/>
+                    <a:latin typeface="+mn-lt"/>
+                    <a:ea typeface="+mn-ea"/>
+                    <a:cs typeface="+mn-cs"/>
+                  </a:rPr>
+                  <a:t> Algorithmus (2009) war der erste </a:t>
+                </a:r>
+                <a:r>
+                  <a:rPr lang="de-AT" sz="1200" kern="1200" dirty="0" err="1">
+                    <a:solidFill>
+                      <a:schemeClr val="tx1"/>
+                    </a:solidFill>
+                    <a:effectLst/>
+                    <a:latin typeface="+mn-lt"/>
+                    <a:ea typeface="+mn-ea"/>
+                    <a:cs typeface="+mn-cs"/>
+                  </a:rPr>
+                  <a:t>vollhomomorphe</a:t>
+                </a:r>
+                <a:r>
+                  <a:rPr lang="de-AT" sz="1200" kern="1200" dirty="0">
+                    <a:solidFill>
+                      <a:schemeClr val="tx1"/>
+                    </a:solidFill>
+                    <a:effectLst/>
+                    <a:latin typeface="+mn-lt"/>
+                    <a:ea typeface="+mn-ea"/>
+                    <a:cs typeface="+mn-cs"/>
+                  </a:rPr>
+                  <a:t> Verschlüsselungsalgorithmus, mit Verwendung von Zahlengittern. Seine Laufzeitkomplexität ist </a:t>
+                </a:r>
+                <a14:m>
+                  <m:oMath xmlns:m="http://schemas.openxmlformats.org/officeDocument/2006/math">
+                    <m:r>
+                      <m:rPr>
+                        <m:sty m:val="p"/>
+                      </m:rPr>
+                      <a:rPr lang="de-AT" sz="1200" kern="1200">
+                        <a:solidFill>
+                          <a:schemeClr val="tx1"/>
+                        </a:solidFill>
+                        <a:effectLst/>
+                        <a:latin typeface="+mn-lt"/>
+                        <a:ea typeface="+mn-ea"/>
+                        <a:cs typeface="+mn-cs"/>
+                      </a:rPr>
+                      <m:t>O</m:t>
+                    </m:r>
+                    <m:d>
+                      <m:dPr>
+                        <m:ctrlPr>
+                          <a:rPr lang="de-AT" sz="1200" i="1" kern="1200">
+                            <a:solidFill>
+                              <a:schemeClr val="tx1"/>
+                            </a:solidFill>
+                            <a:effectLst/>
+                            <a:latin typeface="+mn-lt"/>
+                            <a:ea typeface="+mn-ea"/>
+                            <a:cs typeface="+mn-cs"/>
+                          </a:rPr>
+                        </m:ctrlPr>
+                      </m:dPr>
+                      <m:e>
+                        <m:sSup>
+                          <m:sSupPr>
+                            <m:ctrlPr>
+                              <a:rPr lang="de-AT" sz="1200" i="1" kern="1200">
+                                <a:solidFill>
+                                  <a:schemeClr val="tx1"/>
+                                </a:solidFill>
+                                <a:effectLst/>
+                                <a:latin typeface="+mn-lt"/>
+                                <a:ea typeface="+mn-ea"/>
+                                <a:cs typeface="+mn-cs"/>
+                              </a:rPr>
+                            </m:ctrlPr>
+                          </m:sSupPr>
+                          <m:e>
+                            <m:r>
+                              <m:rPr>
+                                <m:sty m:val="p"/>
+                              </m:rPr>
+                              <a:rPr lang="de-AT" sz="1200" kern="1200">
+                                <a:solidFill>
+                                  <a:schemeClr val="tx1"/>
+                                </a:solidFill>
+                                <a:effectLst/>
+                                <a:latin typeface="+mn-lt"/>
+                                <a:ea typeface="+mn-ea"/>
+                                <a:cs typeface="+mn-cs"/>
+                              </a:rPr>
+                              <m:t>λ</m:t>
+                            </m:r>
+                          </m:e>
+                          <m:sup>
+                            <m:r>
+                              <a:rPr lang="de-AT" sz="1200" kern="1200">
+                                <a:solidFill>
+                                  <a:schemeClr val="tx1"/>
+                                </a:solidFill>
+                                <a:effectLst/>
+                                <a:latin typeface="+mn-lt"/>
+                                <a:ea typeface="+mn-ea"/>
+                                <a:cs typeface="+mn-cs"/>
+                              </a:rPr>
+                              <m:t>10</m:t>
+                            </m:r>
+                          </m:sup>
+                        </m:sSup>
+                      </m:e>
+                    </m:d>
+                    <m:r>
+                      <a:rPr lang="de-AT" sz="1200" i="1" kern="1200">
+                        <a:solidFill>
+                          <a:schemeClr val="tx1"/>
+                        </a:solidFill>
+                        <a:effectLst/>
+                        <a:latin typeface="+mn-lt"/>
+                        <a:ea typeface="+mn-ea"/>
+                        <a:cs typeface="+mn-cs"/>
+                      </a:rPr>
+                      <m:t>.</m:t>
+                    </m:r>
+                  </m:oMath>
+                </a14:m>
+                <a:endParaRPr lang="de-AT" sz="1200" kern="1200" dirty="0">
+                  <a:solidFill>
+                    <a:schemeClr val="tx1"/>
+                  </a:solidFill>
+                  <a:effectLst/>
+                  <a:latin typeface="+mn-lt"/>
+                  <a:ea typeface="+mn-ea"/>
+                  <a:cs typeface="+mn-cs"/>
+                </a:endParaRPr>
+              </a:p>
+              <a:p>
+                <a:endParaRPr lang="de-AT" dirty="0"/>
+              </a:p>
+            </p:txBody>
+          </p:sp>
+        </mc:Choice>
+        <mc:Fallback>
+          <p:sp>
+            <p:nvSpPr>
+              <p:cNvPr id="3" name="Notizenplatzhalter 2"/>
+              <p:cNvSpPr>
+                <a:spLocks noGrp="1"/>
+              </p:cNvSpPr>
+              <p:nvPr>
+                <p:ph type="body" idx="1"/>
+              </p:nvPr>
+            </p:nvSpPr>
+            <p:spPr/>
+            <p:txBody>
+              <a:bodyPr/>
+              <a:lstStyle/>
+              <a:p>
+                <a:r>
+                  <a:rPr lang="de-AT" sz="1200" kern="1200" dirty="0">
+                    <a:solidFill>
+                      <a:schemeClr val="tx1"/>
+                    </a:solidFill>
+                    <a:effectLst/>
+                    <a:latin typeface="+mn-lt"/>
+                    <a:ea typeface="+mn-ea"/>
+                    <a:cs typeface="+mn-cs"/>
+                  </a:rPr>
+                  <a:t>Eine Funktion behält die Ringstruktur von </a:t>
+                </a:r>
+                <a:r>
+                  <a:rPr lang="de-AT" sz="1200" i="0" kern="1200">
+                    <a:solidFill>
+                      <a:schemeClr val="tx1"/>
+                    </a:solidFill>
+                    <a:effectLst/>
+                    <a:latin typeface="+mn-lt"/>
+                    <a:ea typeface="+mn-ea"/>
+                    <a:cs typeface="+mn-cs"/>
+                  </a:rPr>
+                  <a:t>(R, +,  ∗)</a:t>
+                </a:r>
+                <a:r>
+                  <a:rPr lang="de-AT" sz="1200" kern="1200" dirty="0">
+                    <a:solidFill>
+                      <a:schemeClr val="tx1"/>
+                    </a:solidFill>
+                    <a:effectLst/>
+                    <a:latin typeface="+mn-lt"/>
+                    <a:ea typeface="+mn-ea"/>
+                    <a:cs typeface="+mn-cs"/>
+                  </a:rPr>
+                  <a:t> bei. Also </a:t>
+                </a:r>
+                <a:r>
+                  <a:rPr lang="de-AT" sz="1200" i="0" kern="1200">
+                    <a:solidFill>
+                      <a:schemeClr val="tx1"/>
+                    </a:solidFill>
+                    <a:effectLst/>
+                    <a:latin typeface="+mn-lt"/>
+                    <a:ea typeface="+mn-ea"/>
+                    <a:cs typeface="+mn-cs"/>
+                  </a:rPr>
+                  <a:t>(f(R), +,  ∗)</a:t>
+                </a:r>
+                <a:r>
+                  <a:rPr lang="de-AT" sz="1200" kern="1200" dirty="0">
+                    <a:solidFill>
+                      <a:schemeClr val="tx1"/>
+                    </a:solidFill>
+                    <a:effectLst/>
+                    <a:latin typeface="+mn-lt"/>
+                    <a:ea typeface="+mn-ea"/>
+                    <a:cs typeface="+mn-cs"/>
+                  </a:rPr>
+                  <a:t> ist immer noch ein Ring, wenn </a:t>
+                </a:r>
+                <a:r>
+                  <a:rPr lang="de-AT" sz="1200" i="0" kern="1200">
+                    <a:solidFill>
+                      <a:schemeClr val="tx1"/>
+                    </a:solidFill>
+                    <a:effectLst/>
+                    <a:latin typeface="+mn-lt"/>
+                    <a:ea typeface="+mn-ea"/>
+                    <a:cs typeface="+mn-cs"/>
+                  </a:rPr>
+                  <a:t>f</a:t>
+                </a:r>
+                <a:r>
+                  <a:rPr lang="de-AT" sz="1200" kern="1200" dirty="0">
+                    <a:solidFill>
+                      <a:schemeClr val="tx1"/>
+                    </a:solidFill>
+                    <a:effectLst/>
+                    <a:latin typeface="+mn-lt"/>
+                    <a:ea typeface="+mn-ea"/>
+                    <a:cs typeface="+mn-cs"/>
+                  </a:rPr>
+                  <a:t> </a:t>
+                </a:r>
+                <a:r>
+                  <a:rPr lang="de-AT" sz="1200" kern="1200" dirty="0" err="1">
+                    <a:solidFill>
+                      <a:schemeClr val="tx1"/>
+                    </a:solidFill>
+                    <a:effectLst/>
+                    <a:latin typeface="+mn-lt"/>
+                    <a:ea typeface="+mn-ea"/>
+                    <a:cs typeface="+mn-cs"/>
+                  </a:rPr>
+                  <a:t>vollhomomorph</a:t>
+                </a:r>
+                <a:r>
+                  <a:rPr lang="de-AT" sz="1200" kern="1200" dirty="0">
+                    <a:solidFill>
+                      <a:schemeClr val="tx1"/>
+                    </a:solidFill>
+                    <a:effectLst/>
+                    <a:latin typeface="+mn-lt"/>
+                    <a:ea typeface="+mn-ea"/>
+                    <a:cs typeface="+mn-cs"/>
+                  </a:rPr>
+                  <a:t> ist.</a:t>
+                </a:r>
+              </a:p>
+              <a:p>
+                <a:r>
+                  <a:rPr lang="de-AT" sz="1200" kern="1200" dirty="0">
+                    <a:solidFill>
+                      <a:schemeClr val="tx1"/>
+                    </a:solidFill>
+                    <a:effectLst/>
+                    <a:latin typeface="+mn-lt"/>
+                    <a:ea typeface="+mn-ea"/>
+                    <a:cs typeface="+mn-cs"/>
+                  </a:rPr>
+                  <a:t>Das heißt bei einer Vollhomomorphen Verschlüsselung können Additionen und Multiplikationen durchgeführt werden.</a:t>
+                </a:r>
+              </a:p>
+              <a:p>
+                <a:r>
+                  <a:rPr lang="de-AT" sz="1200" kern="1200" dirty="0" err="1">
+                    <a:solidFill>
+                      <a:schemeClr val="tx1"/>
+                    </a:solidFill>
+                    <a:effectLst/>
+                    <a:latin typeface="+mn-lt"/>
+                    <a:ea typeface="+mn-ea"/>
+                    <a:cs typeface="+mn-cs"/>
+                  </a:rPr>
+                  <a:t>Gentry‘s</a:t>
+                </a:r>
+                <a:r>
+                  <a:rPr lang="de-AT" sz="1200" kern="1200" dirty="0">
+                    <a:solidFill>
+                      <a:schemeClr val="tx1"/>
+                    </a:solidFill>
+                    <a:effectLst/>
+                    <a:latin typeface="+mn-lt"/>
+                    <a:ea typeface="+mn-ea"/>
+                    <a:cs typeface="+mn-cs"/>
+                  </a:rPr>
+                  <a:t> Algorithmus (2009) war der erste </a:t>
+                </a:r>
+                <a:r>
+                  <a:rPr lang="de-AT" sz="1200" kern="1200" dirty="0" err="1">
+                    <a:solidFill>
+                      <a:schemeClr val="tx1"/>
+                    </a:solidFill>
+                    <a:effectLst/>
+                    <a:latin typeface="+mn-lt"/>
+                    <a:ea typeface="+mn-ea"/>
+                    <a:cs typeface="+mn-cs"/>
+                  </a:rPr>
+                  <a:t>vollhomomorphe</a:t>
+                </a:r>
+                <a:r>
+                  <a:rPr lang="de-AT" sz="1200" kern="1200" dirty="0">
+                    <a:solidFill>
+                      <a:schemeClr val="tx1"/>
+                    </a:solidFill>
+                    <a:effectLst/>
+                    <a:latin typeface="+mn-lt"/>
+                    <a:ea typeface="+mn-ea"/>
+                    <a:cs typeface="+mn-cs"/>
+                  </a:rPr>
+                  <a:t> Verschlüsselungsalgorithmus, mit Verwendung von Zahlengittern. Seine Laufzeitkomplexität ist </a:t>
+                </a:r>
+                <a:r>
+                  <a:rPr lang="de-AT" sz="1200" i="0" kern="1200">
+                    <a:solidFill>
+                      <a:schemeClr val="tx1"/>
+                    </a:solidFill>
+                    <a:effectLst/>
+                    <a:latin typeface="+mn-lt"/>
+                    <a:ea typeface="+mn-ea"/>
+                    <a:cs typeface="+mn-cs"/>
+                  </a:rPr>
+                  <a:t>O(λ^10 ).</a:t>
+                </a:r>
+                <a:endParaRPr lang="de-AT" sz="1200" kern="1200" dirty="0">
+                  <a:solidFill>
+                    <a:schemeClr val="tx1"/>
+                  </a:solidFill>
+                  <a:effectLst/>
+                  <a:latin typeface="+mn-lt"/>
+                  <a:ea typeface="+mn-ea"/>
+                  <a:cs typeface="+mn-cs"/>
+                </a:endParaRPr>
+              </a:p>
+              <a:p>
+                <a:endParaRPr lang="de-AT" dirty="0"/>
+              </a:p>
+            </p:txBody>
+          </p:sp>
+        </mc:Fallback>
+      </mc:AlternateContent>
+      <p:sp>
+        <p:nvSpPr>
+          <p:cNvPr id="4" name="Foliennummernplatzhalter 3"/>
+          <p:cNvSpPr>
+            <a:spLocks noGrp="1"/>
+          </p:cNvSpPr>
+          <p:nvPr>
+            <p:ph type="sldNum" sz="quarter" idx="5"/>
+          </p:nvPr>
+        </p:nvSpPr>
+        <p:spPr/>
+        <p:txBody>
+          <a:bodyPr/>
+          <a:lstStyle/>
+          <a:p>
+            <a:fld id="{DE3F3CBC-5628-473F-BCAF-CFEA381F15B3}" type="slidenum">
+              <a:rPr lang="de-AT" smtClean="0"/>
+              <a:t>34</a:t>
+            </a:fld>
+            <a:endParaRPr lang="de-AT"/>
+          </a:p>
+        </p:txBody>
+      </p:sp>
+    </p:spTree>
+    <p:extLst>
+      <p:ext uri="{BB962C8B-B14F-4D97-AF65-F5344CB8AC3E}">
+        <p14:creationId xmlns:p14="http://schemas.microsoft.com/office/powerpoint/2010/main" val="3254689491"/>
+      </p:ext>
+    </p:extLst>
+  </p:cSld>
+  <p:clrMapOvr>
+    <a:masterClrMapping/>
+  </p:clrMapOvr>
+</p:notes>
+</file>
+
+<file path=ppt/notesSlides/notesSlide7.xml><?xml version="1.0" encoding="utf-8"?>
+<p:notes xmlns:a="http://schemas.openxmlformats.org/drawingml/2006/main" xmlns:r="http://schemas.openxmlformats.org/officeDocument/2006/relationships" xmlns:p="http://schemas.openxmlformats.org/presentationml/2006/main">
+  <p:cSld>
+    <p:spTree>
+      <p:nvGrpSpPr>
+        <p:cNvPr id="1" name=""/>
+        <p:cNvGrpSpPr/>
+        <p:nvPr/>
+      </p:nvGrpSpPr>
+      <p:grpSpPr>
+        <a:xfrm>
+          <a:off x="0" y="0"/>
+          <a:ext cx="0" cy="0"/>
+          <a:chOff x="0" y="0"/>
+          <a:chExt cx="0" cy="0"/>
+        </a:xfrm>
+      </p:grpSpPr>
+      <p:sp>
+        <p:nvSpPr>
+          <p:cNvPr id="2" name="Folienbildplatzhalter 1"/>
+          <p:cNvSpPr>
+            <a:spLocks noGrp="1" noRot="1" noChangeAspect="1"/>
+          </p:cNvSpPr>
+          <p:nvPr>
+            <p:ph type="sldImg"/>
+          </p:nvPr>
+        </p:nvSpPr>
+        <p:spPr/>
+      </p:sp>
+      <p:sp>
+        <p:nvSpPr>
+          <p:cNvPr id="3" name="Notizenplatzhalter 2"/>
+          <p:cNvSpPr>
+            <a:spLocks noGrp="1"/>
+          </p:cNvSpPr>
+          <p:nvPr>
+            <p:ph type="body" idx="1"/>
+          </p:nvPr>
+        </p:nvSpPr>
+        <p:spPr/>
+        <p:txBody>
+          <a:bodyPr/>
+          <a:lstStyle/>
+          <a:p>
+            <a:endParaRPr lang="de-AT" dirty="0"/>
+          </a:p>
+        </p:txBody>
+      </p:sp>
+      <p:sp>
+        <p:nvSpPr>
+          <p:cNvPr id="4" name="Foliennummernplatzhalter 3"/>
+          <p:cNvSpPr>
+            <a:spLocks noGrp="1"/>
+          </p:cNvSpPr>
+          <p:nvPr>
+            <p:ph type="sldNum" sz="quarter" idx="5"/>
+          </p:nvPr>
+        </p:nvSpPr>
+        <p:spPr/>
+        <p:txBody>
+          <a:bodyPr/>
+          <a:lstStyle/>
+          <a:p>
+            <a:fld id="{DE3F3CBC-5628-473F-BCAF-CFEA381F15B3}" type="slidenum">
+              <a:rPr lang="de-AT" smtClean="0"/>
+              <a:t>35</a:t>
+            </a:fld>
+            <a:endParaRPr lang="de-AT"/>
+          </a:p>
+        </p:txBody>
+      </p:sp>
+    </p:spTree>
+    <p:extLst>
+      <p:ext uri="{BB962C8B-B14F-4D97-AF65-F5344CB8AC3E}">
+        <p14:creationId xmlns:p14="http://schemas.microsoft.com/office/powerpoint/2010/main" val="463492700"/>
+      </p:ext>
+    </p:extLst>
+  </p:cSld>
+  <p:clrMapOvr>
+    <a:masterClrMapping/>
+  </p:clrMapOvr>
+</p:notes>
+</file>
+
+<file path=ppt/notesSlides/notesSlide8.xml><?xml version="1.0" encoding="utf-8"?>
+<p:notes xmlns:a="http://schemas.openxmlformats.org/drawingml/2006/main" xmlns:r="http://schemas.openxmlformats.org/officeDocument/2006/relationships" xmlns:p="http://schemas.openxmlformats.org/presentationml/2006/main">
+  <p:cSld>
+    <p:spTree>
+      <p:nvGrpSpPr>
+        <p:cNvPr id="1" name=""/>
+        <p:cNvGrpSpPr/>
+        <p:nvPr/>
+      </p:nvGrpSpPr>
+      <p:grpSpPr>
+        <a:xfrm>
+          <a:off x="0" y="0"/>
+          <a:ext cx="0" cy="0"/>
+          <a:chOff x="0" y="0"/>
+          <a:chExt cx="0" cy="0"/>
+        </a:xfrm>
+      </p:grpSpPr>
+      <p:sp>
+        <p:nvSpPr>
+          <p:cNvPr id="2" name="Folienbildplatzhalter 1"/>
+          <p:cNvSpPr>
+            <a:spLocks noGrp="1" noRot="1" noChangeAspect="1"/>
+          </p:cNvSpPr>
+          <p:nvPr>
+            <p:ph type="sldImg"/>
+          </p:nvPr>
+        </p:nvSpPr>
+        <p:spPr/>
+      </p:sp>
+      <p:sp>
+        <p:nvSpPr>
+          <p:cNvPr id="3" name="Notizenplatzhalter 2"/>
+          <p:cNvSpPr>
+            <a:spLocks noGrp="1"/>
+          </p:cNvSpPr>
+          <p:nvPr>
+            <p:ph type="body" idx="1"/>
+          </p:nvPr>
+        </p:nvSpPr>
+        <p:spPr/>
+        <p:txBody>
+          <a:bodyPr/>
+          <a:lstStyle/>
+          <a:p>
+            <a:r>
+              <a:rPr lang="de-AT" sz="1200" kern="1200" dirty="0">
+                <a:solidFill>
+                  <a:schemeClr val="tx1"/>
+                </a:solidFill>
+                <a:effectLst/>
+                <a:latin typeface="+mn-lt"/>
+                <a:ea typeface="+mn-ea"/>
+                <a:cs typeface="+mn-cs"/>
+              </a:rPr>
+              <a:t>Die Wahl geeigneter Parameter ist schwer. Außerdem sind bisherige Implementierungen nicht alltagstauglich, zum einen wegen der Geschwindigkeit der Algorithmen. Zum anderen verrauschen die Daten. Bei Gentry zum Beispiel muss nach spätestens 30 Operationen eine Bereinigung durchgeführt werden, damit die Daten korrekt und lesbar bleiben.</a:t>
+            </a:r>
+          </a:p>
+          <a:p>
+            <a:r>
+              <a:rPr lang="de-AT" sz="1200" kern="1200" dirty="0">
+                <a:solidFill>
+                  <a:schemeClr val="tx1"/>
+                </a:solidFill>
+                <a:effectLst/>
+                <a:latin typeface="+mn-lt"/>
+                <a:ea typeface="+mn-ea"/>
+                <a:cs typeface="+mn-cs"/>
+              </a:rPr>
+              <a:t>Auch in der Sicherheit gibt es einen Angriffspunkt. Die Verschlüsselungen sind mit Chosen-Ciphertext-Attacken angreifbar.</a:t>
+            </a:r>
+          </a:p>
+          <a:p>
+            <a:endParaRPr lang="de-AT" dirty="0"/>
+          </a:p>
+        </p:txBody>
+      </p:sp>
+      <p:sp>
+        <p:nvSpPr>
+          <p:cNvPr id="4" name="Foliennummernplatzhalter 3"/>
+          <p:cNvSpPr>
+            <a:spLocks noGrp="1"/>
+          </p:cNvSpPr>
+          <p:nvPr>
+            <p:ph type="sldNum" sz="quarter" idx="5"/>
+          </p:nvPr>
+        </p:nvSpPr>
+        <p:spPr/>
+        <p:txBody>
+          <a:bodyPr/>
+          <a:lstStyle/>
+          <a:p>
+            <a:fld id="{DE3F3CBC-5628-473F-BCAF-CFEA381F15B3}" type="slidenum">
+              <a:rPr lang="de-AT" smtClean="0"/>
+              <a:t>36</a:t>
+            </a:fld>
+            <a:endParaRPr lang="de-AT"/>
+          </a:p>
+        </p:txBody>
+      </p:sp>
+    </p:spTree>
+    <p:extLst>
+      <p:ext uri="{BB962C8B-B14F-4D97-AF65-F5344CB8AC3E}">
+        <p14:creationId xmlns:p14="http://schemas.microsoft.com/office/powerpoint/2010/main" val="3478356238"/>
+      </p:ext>
+    </p:extLst>
+  </p:cSld>
+  <p:clrMapOvr>
+    <a:masterClrMapping/>
+  </p:clrMapOvr>
+</p:notes>
+</file>
+
+<file path=ppt/notesSlides/notesSlide9.xml><?xml version="1.0" encoding="utf-8"?>
+<p:notes xmlns:a="http://schemas.openxmlformats.org/drawingml/2006/main" xmlns:r="http://schemas.openxmlformats.org/officeDocument/2006/relationships" xmlns:p="http://schemas.openxmlformats.org/presentationml/2006/main">
+  <p:cSld>
+    <p:spTree>
+      <p:nvGrpSpPr>
+        <p:cNvPr id="1" name=""/>
+        <p:cNvGrpSpPr/>
+        <p:nvPr/>
+      </p:nvGrpSpPr>
+      <p:grpSpPr>
+        <a:xfrm>
+          <a:off x="0" y="0"/>
+          <a:ext cx="0" cy="0"/>
+          <a:chOff x="0" y="0"/>
+          <a:chExt cx="0" cy="0"/>
+        </a:xfrm>
+      </p:grpSpPr>
+      <p:sp>
+        <p:nvSpPr>
+          <p:cNvPr id="2" name="Folienbildplatzhalter 1"/>
+          <p:cNvSpPr>
+            <a:spLocks noGrp="1" noRot="1" noChangeAspect="1"/>
+          </p:cNvSpPr>
+          <p:nvPr>
+            <p:ph type="sldImg"/>
+          </p:nvPr>
+        </p:nvSpPr>
+        <p:spPr/>
+      </p:sp>
+      <p:sp>
+        <p:nvSpPr>
+          <p:cNvPr id="3" name="Notizenplatzhalter 2"/>
+          <p:cNvSpPr>
+            <a:spLocks noGrp="1"/>
+          </p:cNvSpPr>
+          <p:nvPr>
+            <p:ph type="body" idx="1"/>
+          </p:nvPr>
+        </p:nvSpPr>
+        <p:spPr/>
+        <p:txBody>
+          <a:bodyPr/>
+          <a:lstStyle/>
+          <a:p>
+            <a:pPr marL="0" marR="0" lvl="0" indent="0" algn="l" defTabSz="914400" rtl="0" eaLnBrk="1" fontAlgn="auto" latinLnBrk="0" hangingPunct="1">
+              <a:lnSpc>
+                <a:spcPct val="100000"/>
+              </a:lnSpc>
+              <a:spcBef>
+                <a:spcPts val="0"/>
+              </a:spcBef>
+              <a:spcAft>
+                <a:spcPts val="0"/>
+              </a:spcAft>
+              <a:buClrTx/>
+              <a:buSzTx/>
+              <a:buFontTx/>
+              <a:buNone/>
+              <a:tabLst/>
+              <a:defRPr/>
+            </a:pPr>
+            <a:r>
+              <a:rPr lang="de-AT" sz="1200" kern="1200" dirty="0">
+                <a:solidFill>
+                  <a:schemeClr val="tx1"/>
+                </a:solidFill>
+                <a:effectLst/>
+                <a:latin typeface="+mn-lt"/>
+                <a:ea typeface="+mn-ea"/>
+                <a:cs typeface="+mn-cs"/>
+              </a:rPr>
+              <a:t>Bei einem hybrid-homomorphen Verschlüsselungsalgorithmus, werden zwei verschiedene teilhomomorphe Verschlüsselungsalgorithmen verwendet. Zum einen eine additive homomorphe Verschlüsselung und eine multiplikativ homomorphe Verschlüsselung. In dem von uns gewählten Verfahren wurde Goldwasser-Micali als additive Variante gewählt und RSA als multiplikative Variante.</a:t>
+            </a:r>
+          </a:p>
+          <a:p>
+            <a:endParaRPr lang="de-AT" dirty="0"/>
+          </a:p>
+        </p:txBody>
+      </p:sp>
+      <p:sp>
+        <p:nvSpPr>
+          <p:cNvPr id="4" name="Foliennummernplatzhalter 3"/>
+          <p:cNvSpPr>
+            <a:spLocks noGrp="1"/>
+          </p:cNvSpPr>
+          <p:nvPr>
+            <p:ph type="sldNum" sz="quarter" idx="5"/>
+          </p:nvPr>
+        </p:nvSpPr>
+        <p:spPr/>
+        <p:txBody>
+          <a:bodyPr/>
+          <a:lstStyle/>
+          <a:p>
+            <a:fld id="{DE3F3CBC-5628-473F-BCAF-CFEA381F15B3}" type="slidenum">
+              <a:rPr lang="de-AT" smtClean="0"/>
+              <a:t>37</a:t>
+            </a:fld>
+            <a:endParaRPr lang="de-AT"/>
+          </a:p>
+        </p:txBody>
+      </p:sp>
+    </p:spTree>
+    <p:extLst>
+      <p:ext uri="{BB962C8B-B14F-4D97-AF65-F5344CB8AC3E}">
+        <p14:creationId xmlns:p14="http://schemas.microsoft.com/office/powerpoint/2010/main" val="1712454003"/>
+      </p:ext>
+    </p:extLst>
+  </p:cSld>
+  <p:clrMapOvr>
+    <a:masterClrMapping/>
+  </p:clrMapOvr>
+</p:notes>
+</file>
+
 <file path=ppt/slideLayouts/slideLayout1.xml><?xml version="1.0" encoding="utf-8"?>
 <p:sldLayout xmlns:a="http://schemas.openxmlformats.org/drawingml/2006/main" xmlns:r="http://schemas.openxmlformats.org/officeDocument/2006/relationships" xmlns:p="http://schemas.openxmlformats.org/presentationml/2006/main" showMasterSp="0" type="title" preserve="1">
   <p:cSld name="Titelfolie">
@@ -16161,51 +18544,6 @@
           </p:sp>
         </mc:Fallback>
       </mc:AlternateContent>
-      <p:pic>
-        <p:nvPicPr>
-          <p:cNvPr id="6" name="Grafik 5">
-            <a:extLst>
-              <a:ext uri="{FF2B5EF4-FFF2-40B4-BE49-F238E27FC236}">
-                <a16:creationId xmlns:a16="http://schemas.microsoft.com/office/drawing/2014/main" id="{07AF805F-41A7-480B-83DD-32A8655D5C03}"/>
-              </a:ext>
-            </a:extLst>
-          </p:cNvPr>
-          <p:cNvPicPr>
-            <a:picLocks noChangeAspect="1"/>
-          </p:cNvPicPr>
-          <p:nvPr/>
-        </p:nvPicPr>
-        <p:blipFill rotWithShape="1">
-          <a:blip r:embed="rId3">
-            <a:clrChange>
-              <a:clrFrom>
-                <a:srgbClr val="FFFFFF"/>
-              </a:clrFrom>
-              <a:clrTo>
-                <a:srgbClr val="FFFFFF">
-                  <a:alpha val="0"/>
-                </a:srgbClr>
-              </a:clrTo>
-            </a:clrChange>
-            <a:extLst>
-              <a:ext uri="{28A0092B-C50C-407E-A947-70E740481C1C}">
-                <a14:useLocalDpi xmlns:a14="http://schemas.microsoft.com/office/drawing/2010/main" val="0"/>
-              </a:ext>
-            </a:extLst>
-          </a:blip>
-          <a:srcRect l="3168" t="4850" r="2525" b="9039"/>
-          <a:stretch/>
-        </p:blipFill>
-        <p:spPr>
-          <a:xfrm>
-            <a:off x="7137417" y="3957181"/>
-            <a:ext cx="5054583" cy="2949588"/>
-          </a:xfrm>
-          <a:prstGeom prst="rect">
-            <a:avLst/>
-          </a:prstGeom>
-        </p:spPr>
-      </p:pic>
     </p:spTree>
     <p:extLst>
       <p:ext uri="{BB962C8B-B14F-4D97-AF65-F5344CB8AC3E}">
@@ -22050,7 +24388,7 @@
                 </a14:m>
                 <a:r>
                   <a:rPr lang="de-AT" dirty="0"/>
-                  <a:t> quadratischer Nichtrest dann ist </a:t>
+                  <a:t> quadratischer Rest dann ist </a:t>
                 </a:r>
                 <a14:m>
                   <m:oMath xmlns:m="http://schemas.openxmlformats.org/officeDocument/2006/math">
@@ -22096,7 +24434,7 @@
                 </a14:m>
                 <a:r>
                   <a:rPr lang="de-AT" dirty="0"/>
-                  <a:t>ein quadratischer Nichtrest. </a:t>
+                  <a:t>ein quadratischer Rest. </a:t>
                 </a:r>
               </a:p>
               <a:p>
@@ -24284,7 +26622,7 @@
                 <a:ext cx="7230873" cy="4023360"/>
               </a:xfrm>
               <a:blipFill>
-                <a:blip r:embed="rId2"/>
+                <a:blip r:embed="rId3"/>
                 <a:stretch>
                   <a:fillRect l="-1180" t="-1667"/>
                 </a:stretch>
@@ -24646,7 +26984,7 @@
                 <a:avLst/>
               </a:prstGeom>
               <a:blipFill>
-                <a:blip r:embed="rId3"/>
+                <a:blip r:embed="rId4"/>
                 <a:stretch>
                   <a:fillRect/>
                 </a:stretch>
@@ -25014,7 +27352,7 @@
                 <a:avLst/>
               </a:prstGeom>
               <a:blipFill>
-                <a:blip r:embed="rId4"/>
+                <a:blip r:embed="rId5"/>
                 <a:stretch>
                   <a:fillRect/>
                 </a:stretch>
@@ -25424,7 +27762,7 @@
                 <a:ext cx="7230872" cy="4023360"/>
               </a:xfrm>
               <a:blipFill>
-                <a:blip r:embed="rId2"/>
+                <a:blip r:embed="rId3"/>
                 <a:stretch>
                   <a:fillRect l="-1180" t="-1667"/>
                 </a:stretch>
@@ -25780,7 +28118,7 @@
                 <a:avLst/>
               </a:prstGeom>
               <a:blipFill>
-                <a:blip r:embed="rId3"/>
+                <a:blip r:embed="rId4"/>
                 <a:stretch>
                   <a:fillRect/>
                 </a:stretch>
@@ -25988,6 +28326,9 @@
                     </m:r>
                   </m:oMath>
                 </a14:m>
+                <a:endParaRPr lang="de-AT" sz="2400" dirty="0"/>
+              </a:p>
+              <a:p>
                 <a:endParaRPr lang="de-AT" sz="2400" dirty="0"/>
               </a:p>
               <a:p>
@@ -26195,7 +28536,7 @@
                 <a:ext cx="7230873" cy="4023360"/>
               </a:xfrm>
               <a:blipFill>
-                <a:blip r:embed="rId2"/>
+                <a:blip r:embed="rId3"/>
                 <a:stretch>
                   <a:fillRect l="-1180" t="-1667"/>
                 </a:stretch>
@@ -26216,52 +28557,6 @@
           </p:sp>
         </mc:Fallback>
       </mc:AlternateContent>
-      <p:pic>
-        <p:nvPicPr>
-          <p:cNvPr id="8" name="Grafik 7">
-            <a:extLst>
-              <a:ext uri="{FF2B5EF4-FFF2-40B4-BE49-F238E27FC236}">
-                <a16:creationId xmlns:a16="http://schemas.microsoft.com/office/drawing/2014/main" id="{58E9856B-2CB5-4C40-BF77-64DDF2424272}"/>
-              </a:ext>
-            </a:extLst>
-          </p:cNvPr>
-          <p:cNvPicPr>
-            <a:picLocks noChangeAspect="1"/>
-          </p:cNvPicPr>
-          <p:nvPr/>
-        </p:nvPicPr>
-        <p:blipFill>
-          <a:blip r:embed="rId3">
-            <a:clrChange>
-              <a:clrFrom>
-                <a:srgbClr val="FFFFFF"/>
-              </a:clrFrom>
-              <a:clrTo>
-                <a:srgbClr val="FFFFFF">
-                  <a:alpha val="0"/>
-                </a:srgbClr>
-              </a:clrTo>
-            </a:clrChange>
-            <a:extLst>
-              <a:ext uri="{28A0092B-C50C-407E-A947-70E740481C1C}">
-                <a14:useLocalDpi xmlns:a14="http://schemas.microsoft.com/office/drawing/2010/main" val="0"/>
-              </a:ext>
-            </a:extLst>
-          </a:blip>
-          <a:stretch>
-            <a:fillRect/>
-          </a:stretch>
-        </p:blipFill>
-        <p:spPr>
-          <a:xfrm>
-            <a:off x="2032354" y="4096512"/>
-            <a:ext cx="7703620" cy="2963739"/>
-          </a:xfrm>
-          <a:prstGeom prst="rect">
-            <a:avLst/>
-          </a:prstGeom>
-        </p:spPr>
-      </p:pic>
       <mc:AlternateContent xmlns:mc="http://schemas.openxmlformats.org/markup-compatibility/2006">
         <mc:Choice xmlns:a14="http://schemas.microsoft.com/office/drawing/2010/main" Requires="a14">
           <p:sp>
@@ -27559,7 +29854,7 @@
             </p:nvSpPr>
             <p:spPr>
               <a:xfrm>
-                <a:off x="8255000" y="2619756"/>
+                <a:off x="8410277" y="2619756"/>
                 <a:ext cx="2743200" cy="1262131"/>
               </a:xfrm>
               <a:prstGeom prst="rect">
@@ -27796,7 +30091,7 @@
             </p:nvSpPr>
             <p:spPr>
               <a:xfrm>
-                <a:off x="8255000" y="2619756"/>
+                <a:off x="8410277" y="2619756"/>
                 <a:ext cx="2743200" cy="1262131"/>
               </a:xfrm>
               <a:prstGeom prst="rect">
@@ -27832,8 +30127,8 @@
           </p:sp>
         </mc:Fallback>
       </mc:AlternateContent>
-      <mc:AlternateContent xmlns:mc="http://schemas.openxmlformats.org/markup-compatibility/2006" xmlns:a14="http://schemas.microsoft.com/office/drawing/2010/main">
-        <mc:Choice Requires="a14">
+      <mc:AlternateContent xmlns:mc="http://schemas.openxmlformats.org/markup-compatibility/2006">
+        <mc:Choice xmlns:a14="http://schemas.microsoft.com/office/drawing/2010/main" Requires="a14">
           <p:sp>
             <p:nvSpPr>
               <p:cNvPr id="6" name="Inhaltsplatzhalter 4">
@@ -27850,7 +30145,7 @@
             </p:nvSpPr>
             <p:spPr>
               <a:xfrm>
-                <a:off x="8255000" y="3881887"/>
+                <a:off x="8410277" y="3881887"/>
                 <a:ext cx="2743200" cy="1262131"/>
               </a:xfrm>
               <a:prstGeom prst="rect">
@@ -28285,7 +30580,7 @@
             </p:txBody>
           </p:sp>
         </mc:Choice>
-        <mc:Fallback xmlns="">
+        <mc:Fallback>
           <p:sp>
             <p:nvSpPr>
               <p:cNvPr id="6" name="Inhaltsplatzhalter 4">
@@ -28302,7 +30597,7 @@
             </p:nvSpPr>
             <p:spPr>
               <a:xfrm>
-                <a:off x="8255000" y="3881887"/>
+                <a:off x="8410277" y="3881887"/>
                 <a:ext cx="2743200" cy="1262131"/>
               </a:xfrm>
               <a:prstGeom prst="rect">
@@ -28977,8 +31272,13 @@
                       </m:dPr>
                       <m:e>
                         <m:r>
-                          <a:rPr lang="de-AT"/>
-                          <m:t>ℝ</m:t>
+                          <m:rPr>
+                            <m:sty m:val="p"/>
+                          </m:rPr>
+                          <a:rPr lang="de-AT" b="0" i="0" smtClean="0">
+                            <a:latin typeface="Cambria Math" panose="02040503050406030204" pitchFamily="18" charset="0"/>
+                          </a:rPr>
+                          <m:t>R</m:t>
                         </m:r>
                         <m:r>
                           <a:rPr lang="de-AT"/>
@@ -29016,8 +31316,13 @@
                           <m:t>(</m:t>
                         </m:r>
                         <m:r>
-                          <a:rPr lang="de-AT"/>
-                          <m:t>ℝ</m:t>
+                          <m:rPr>
+                            <m:sty m:val="p"/>
+                          </m:rPr>
+                          <a:rPr lang="de-AT" b="0" i="0" smtClean="0">
+                            <a:latin typeface="Cambria Math" panose="02040503050406030204" pitchFamily="18" charset="0"/>
+                          </a:rPr>
+                          <m:t>R</m:t>
                         </m:r>
                         <m:r>
                           <a:rPr lang="de-AT"/>
@@ -29045,7 +31350,7 @@
                 </a14:m>
                 <a:r>
                   <a:rPr lang="de-AT" dirty="0"/>
-                  <a:t> der Verschlüsselungsalgorithmus ist.</a:t>
+                  <a:t> vollhomomorph ist.</a:t>
                 </a:r>
               </a:p>
               <a:p>
@@ -29143,7 +31448,7 @@
                 <a:avLst/>
               </a:prstGeom>
               <a:blipFill>
-                <a:blip r:embed="rId2"/>
+                <a:blip r:embed="rId3"/>
                 <a:stretch>
                   <a:fillRect l="-759" t="-1212"/>
                 </a:stretch>
@@ -29179,7 +31484,7 @@
           <p:nvPr/>
         </p:nvPicPr>
         <p:blipFill>
-          <a:blip r:embed="rId3">
+          <a:blip r:embed="rId4">
             <a:clrChange>
               <a:clrFrom>
                 <a:srgbClr val="FFFFFF"/>
@@ -29466,6 +31771,9 @@
             </a:lvl9pPr>
           </a:lstStyle>
           <a:p>
+            <a:pPr marL="0" indent="0">
+              <a:buNone/>
+            </a:pPr>
             <a:r>
               <a:rPr lang="de-AT" dirty="0"/>
               <a:t>Berechnungen in verschiedenen Anwendungsbereichen:</a:t>
@@ -29474,25 +31782,25 @@
           <a:p>
             <a:r>
               <a:rPr lang="de-AT" dirty="0"/>
-              <a:t> Energieverbrauch Profilklassifikation</a:t>
+              <a:t>Profilklassifikation von Energieverbrauch</a:t>
             </a:r>
           </a:p>
           <a:p>
             <a:r>
               <a:rPr lang="de-AT" dirty="0"/>
-              <a:t> Verschiedene medizinische Diagnosen</a:t>
+              <a:t>Verschiedene medizinische Diagnosen</a:t>
             </a:r>
           </a:p>
           <a:p>
             <a:r>
               <a:rPr lang="de-AT" dirty="0"/>
-              <a:t> Gen-basierte Diagnosen</a:t>
+              <a:t>Gen-basierte Diagnosen</a:t>
             </a:r>
           </a:p>
           <a:p>
             <a:r>
               <a:rPr lang="de-AT" dirty="0"/>
-              <a:t> Lauflängenkodierung (bei 48 Kernen)</a:t>
+              <a:t>Lauflängenkodierung (bei 48 Kernen)</a:t>
             </a:r>
           </a:p>
           <a:p>
@@ -29909,7 +32217,7 @@
           <a:p>
             <a:r>
               <a:rPr lang="de-AT" sz="2400" dirty="0"/>
-              <a:t>Sicherheit?</a:t>
+              <a:t>Sicherheit</a:t>
             </a:r>
           </a:p>
           <a:p>
@@ -30074,7 +32382,7 @@
         </p:xfrm>
         <a:graphic>
           <a:graphicData uri="http://schemas.openxmlformats.org/drawingml/2006/diagram">
-            <dgm:relIds xmlns:dgm="http://schemas.openxmlformats.org/drawingml/2006/diagram" xmlns:r="http://schemas.openxmlformats.org/officeDocument/2006/relationships" r:dm="rId2" r:lo="rId3" r:qs="rId4" r:cs="rId5"/>
+            <dgm:relIds xmlns:dgm="http://schemas.openxmlformats.org/drawingml/2006/diagram" xmlns:r="http://schemas.openxmlformats.org/officeDocument/2006/relationships" r:dm="rId3" r:lo="rId4" r:qs="rId5" r:cs="rId6"/>
           </a:graphicData>
         </a:graphic>
       </p:graphicFrame>
@@ -30270,7 +32578,7 @@
         </p:xfrm>
         <a:graphic>
           <a:graphicData uri="http://schemas.openxmlformats.org/drawingml/2006/diagram">
-            <dgm:relIds xmlns:dgm="http://schemas.openxmlformats.org/drawingml/2006/diagram" xmlns:r="http://schemas.openxmlformats.org/officeDocument/2006/relationships" r:dm="rId2" r:lo="rId3" r:qs="rId4" r:cs="rId5"/>
+            <dgm:relIds xmlns:dgm="http://schemas.openxmlformats.org/drawingml/2006/diagram" xmlns:r="http://schemas.openxmlformats.org/officeDocument/2006/relationships" r:dm="rId3" r:lo="rId4" r:qs="rId5" r:cs="rId6"/>
           </a:graphicData>
         </a:graphic>
       </p:graphicFrame>
@@ -31477,303 +33785,291 @@
           </a:prstGeom>
         </p:spPr>
         <p:txBody>
-          <a:bodyPr vert="horz" lIns="45720" tIns="45720" rIns="45720" bIns="45720" rtlCol="0">
+          <a:bodyPr vert="horz" lIns="91440" tIns="45720" rIns="91440" bIns="45720" rtlCol="0">
             <a:normAutofit/>
           </a:bodyPr>
           <a:lstStyle>
-            <a:lvl1pPr marL="91440" indent="-91440" defTabSz="914400">
+            <a:lvl1pPr marL="457200" indent="-457200" defTabSz="914400">
               <a:lnSpc>
-                <a:spcPct val="90000"/>
+                <a:spcPct val="94000"/>
               </a:lnSpc>
               <a:spcBef>
-                <a:spcPts val="1200"/>
+                <a:spcPts val="1000"/>
               </a:spcBef>
               <a:spcAft>
                 <a:spcPts val="200"/>
               </a:spcAft>
-              <a:buClr>
-                <a:schemeClr val="accent1"/>
-              </a:buClr>
-              <a:buSzPct val="100000"/>
-              <a:buFont typeface="Tw Cen MT" panose="020B0602020104020603" pitchFamily="34" charset="0"/>
-              <a:buChar char=" "/>
-              <a:defRPr sz="2400"/>
+              <a:buFont typeface="+mj-lt"/>
+              <a:buAutoNum type="arabicPeriod"/>
+              <a:defRPr sz="2200" baseline="0">
+                <a:solidFill>
+                  <a:schemeClr val="tx2"/>
+                </a:solidFill>
+              </a:defRPr>
             </a:lvl1pPr>
-            <a:lvl2pPr marL="265176" lvl="1" indent="-137160" defTabSz="914400">
+            <a:lvl2pPr marL="914400" indent="-384048" defTabSz="914400">
               <a:lnSpc>
-                <a:spcPct val="90000"/>
+                <a:spcPct val="94000"/>
               </a:lnSpc>
               <a:spcBef>
-                <a:spcPts val="200"/>
+                <a:spcPts val="500"/>
               </a:spcBef>
               <a:spcAft>
-                <a:spcPts val="400"/>
+                <a:spcPts val="200"/>
               </a:spcAft>
-              <a:buClr>
-                <a:schemeClr val="accent1"/>
-              </a:buClr>
-              <a:buFont typeface="Wingdings 3" pitchFamily="18" charset="2"/>
-              <a:buChar char=""/>
-              <a:defRPr sz="2000"/>
+              <a:buFont typeface="Franklin Gothic Book" panose="020B0503020102020204" pitchFamily="34" charset="0"/>
+              <a:buChar char="–"/>
+              <a:defRPr sz="2000" i="1" baseline="0">
+                <a:solidFill>
+                  <a:schemeClr val="tx2"/>
+                </a:solidFill>
+              </a:defRPr>
             </a:lvl2pPr>
-            <a:lvl3pPr marL="448056" indent="-137160" defTabSz="914400">
+            <a:lvl3pPr marL="1371600" indent="-384048" defTabSz="914400">
               <a:lnSpc>
-                <a:spcPct val="90000"/>
+                <a:spcPct val="94000"/>
               </a:lnSpc>
               <a:spcBef>
-                <a:spcPts val="200"/>
+                <a:spcPts val="500"/>
               </a:spcBef>
               <a:spcAft>
-                <a:spcPts val="400"/>
+                <a:spcPts val="200"/>
               </a:spcAft>
-              <a:buClr>
-                <a:schemeClr val="accent1"/>
-              </a:buClr>
-              <a:buFont typeface="Wingdings 3" pitchFamily="18" charset="2"/>
-              <a:buChar char=""/>
-              <a:defRPr sz="1400"/>
+              <a:buFont typeface="Franklin Gothic Book" panose="020B0503020102020204" pitchFamily="34" charset="0"/>
+              <a:buChar char="■"/>
+              <a:defRPr baseline="0">
+                <a:solidFill>
+                  <a:schemeClr val="tx2"/>
+                </a:solidFill>
+              </a:defRPr>
             </a:lvl3pPr>
-            <a:lvl4pPr marL="594360" indent="-137160" defTabSz="914400">
+            <a:lvl4pPr marL="1828800" indent="-384048" defTabSz="914400">
               <a:lnSpc>
-                <a:spcPct val="90000"/>
+                <a:spcPct val="94000"/>
               </a:lnSpc>
               <a:spcBef>
-                <a:spcPts val="200"/>
+                <a:spcPts val="500"/>
               </a:spcBef>
               <a:spcAft>
-                <a:spcPts val="400"/>
+                <a:spcPts val="200"/>
               </a:spcAft>
-              <a:buClr>
-                <a:schemeClr val="accent1"/>
-              </a:buClr>
-              <a:buFont typeface="Wingdings 3" pitchFamily="18" charset="2"/>
-              <a:buChar char=""/>
-              <a:defRPr sz="1400"/>
+              <a:buFont typeface="Franklin Gothic Book" panose="020B0503020102020204" pitchFamily="34" charset="0"/>
+              <a:buChar char="–"/>
+              <a:defRPr i="1" baseline="0">
+                <a:solidFill>
+                  <a:schemeClr val="tx2"/>
+                </a:solidFill>
+              </a:defRPr>
             </a:lvl4pPr>
-            <a:lvl5pPr marL="777240" indent="-137160" defTabSz="914400">
+            <a:lvl5pPr marL="2286000" indent="-384048" defTabSz="914400">
               <a:lnSpc>
-                <a:spcPct val="90000"/>
+                <a:spcPct val="94000"/>
               </a:lnSpc>
               <a:spcBef>
-                <a:spcPts val="200"/>
+                <a:spcPts val="500"/>
               </a:spcBef>
               <a:spcAft>
-                <a:spcPts val="400"/>
+                <a:spcPts val="200"/>
               </a:spcAft>
-              <a:buClr>
-                <a:schemeClr val="accent1"/>
-              </a:buClr>
-              <a:buFont typeface="Wingdings 3" pitchFamily="18" charset="2"/>
-              <a:buChar char=""/>
-              <a:defRPr sz="1400"/>
+              <a:buFont typeface="Franklin Gothic Book" panose="020B0503020102020204" pitchFamily="34" charset="0"/>
+              <a:buChar char="■"/>
+              <a:defRPr sz="1600" baseline="0">
+                <a:solidFill>
+                  <a:schemeClr val="tx2"/>
+                </a:solidFill>
+              </a:defRPr>
             </a:lvl5pPr>
-            <a:lvl6pPr marL="914400" indent="-137160" defTabSz="914400">
+            <a:lvl6pPr marL="2743200" indent="-384048" defTabSz="914400">
               <a:lnSpc>
-                <a:spcPct val="90000"/>
+                <a:spcPct val="94000"/>
               </a:lnSpc>
               <a:spcBef>
-                <a:spcPts val="200"/>
+                <a:spcPts val="500"/>
               </a:spcBef>
               <a:spcAft>
-                <a:spcPts val="400"/>
+                <a:spcPts val="200"/>
               </a:spcAft>
-              <a:buClr>
-                <a:schemeClr val="accent1"/>
-              </a:buClr>
-              <a:buFont typeface="Wingdings 3" pitchFamily="18" charset="2"/>
-              <a:buChar char=""/>
-              <a:defRPr sz="1400"/>
+              <a:buFont typeface="Franklin Gothic Book" panose="020B0503020102020204" pitchFamily="34" charset="0"/>
+              <a:buChar char="–"/>
+              <a:defRPr sz="1600" i="1" baseline="0">
+                <a:solidFill>
+                  <a:schemeClr val="tx2"/>
+                </a:solidFill>
+              </a:defRPr>
             </a:lvl6pPr>
-            <a:lvl7pPr marL="1060704" indent="-137160" defTabSz="914400">
+            <a:lvl7pPr marL="3200400" indent="-384048" defTabSz="914400">
               <a:lnSpc>
-                <a:spcPct val="90000"/>
+                <a:spcPct val="94000"/>
               </a:lnSpc>
               <a:spcBef>
-                <a:spcPts val="200"/>
+                <a:spcPts val="500"/>
               </a:spcBef>
               <a:spcAft>
-                <a:spcPts val="400"/>
+                <a:spcPts val="200"/>
               </a:spcAft>
-              <a:buClr>
-                <a:schemeClr val="accent1"/>
-              </a:buClr>
-              <a:buFont typeface="Wingdings 3" pitchFamily="18" charset="2"/>
-              <a:buChar char=""/>
-              <a:defRPr sz="1400"/>
+              <a:buFont typeface="Franklin Gothic Book" panose="020B0503020102020204" pitchFamily="34" charset="0"/>
+              <a:buChar char="■"/>
+              <a:defRPr sz="1400" baseline="0">
+                <a:solidFill>
+                  <a:schemeClr val="tx2"/>
+                </a:solidFill>
+              </a:defRPr>
             </a:lvl7pPr>
-            <a:lvl8pPr marL="1216152" indent="-137160" defTabSz="914400">
+            <a:lvl8pPr marL="3657600" indent="-384048" defTabSz="914400">
               <a:lnSpc>
-                <a:spcPct val="90000"/>
+                <a:spcPct val="94000"/>
               </a:lnSpc>
               <a:spcBef>
-                <a:spcPts val="200"/>
+                <a:spcPts val="500"/>
               </a:spcBef>
               <a:spcAft>
-                <a:spcPts val="400"/>
+                <a:spcPts val="200"/>
               </a:spcAft>
-              <a:buClr>
-                <a:schemeClr val="accent1"/>
-              </a:buClr>
-              <a:buFont typeface="Wingdings 3" pitchFamily="18" charset="2"/>
-              <a:buChar char=""/>
-              <a:defRPr sz="1400"/>
+              <a:buFont typeface="Franklin Gothic Book" panose="020B0503020102020204" pitchFamily="34" charset="0"/>
+              <a:buChar char="–"/>
+              <a:defRPr sz="1400" i="1" baseline="0">
+                <a:solidFill>
+                  <a:schemeClr val="tx2"/>
+                </a:solidFill>
+              </a:defRPr>
             </a:lvl8pPr>
-            <a:lvl9pPr marL="1362456" indent="-137160" defTabSz="914400">
+            <a:lvl9pPr marL="4114800" indent="-384048" defTabSz="914400">
               <a:lnSpc>
-                <a:spcPct val="90000"/>
+                <a:spcPct val="94000"/>
               </a:lnSpc>
               <a:spcBef>
-                <a:spcPts val="200"/>
+                <a:spcPts val="500"/>
               </a:spcBef>
               <a:spcAft>
-                <a:spcPts val="400"/>
+                <a:spcPts val="200"/>
               </a:spcAft>
-              <a:buClr>
-                <a:schemeClr val="accent1"/>
-              </a:buClr>
-              <a:buFont typeface="Wingdings 3" pitchFamily="18" charset="2"/>
-              <a:buChar char=""/>
-              <a:defRPr sz="1400"/>
+              <a:buFont typeface="Franklin Gothic Book" panose="020B0503020102020204" pitchFamily="34" charset="0"/>
+              <a:buChar char="■"/>
+              <a:defRPr sz="1400" baseline="0">
+                <a:solidFill>
+                  <a:schemeClr val="tx2"/>
+                </a:solidFill>
+              </a:defRPr>
             </a:lvl9pPr>
           </a:lstStyle>
           <a:p>
-            <a:pPr marL="411480" indent="-457200">
-              <a:buFont typeface="+mj-lt"/>
-              <a:buAutoNum type="arabicPeriod"/>
-            </a:pPr>
-            <a:r>
-              <a:rPr lang="en-US" dirty="0" err="1"/>
+            <a:r>
+              <a:rPr lang="en-US" sz="2400" dirty="0" err="1"/>
               <a:t>Wähler</a:t>
             </a:r>
             <a:r>
-              <a:rPr lang="en-US" dirty="0"/>
+              <a:rPr lang="en-US" sz="2400" dirty="0"/>
               <a:t> </a:t>
             </a:r>
             <a:r>
-              <a:rPr lang="en-US" dirty="0" err="1"/>
+              <a:rPr lang="en-US" sz="2400" dirty="0" err="1"/>
               <a:t>erhält</a:t>
             </a:r>
             <a:r>
-              <a:rPr lang="en-US" dirty="0"/>
+              <a:rPr lang="en-US" sz="2400" dirty="0"/>
               <a:t> </a:t>
             </a:r>
             <a:r>
-              <a:rPr lang="en-US" dirty="0" err="1"/>
+              <a:rPr lang="en-US" sz="2400" dirty="0" err="1"/>
               <a:t>Zugangsdaten</a:t>
             </a:r>
             <a:r>
-              <a:rPr lang="en-US" dirty="0"/>
+              <a:rPr lang="en-US" sz="2400" dirty="0"/>
               <a:t> </a:t>
             </a:r>
             <a:r>
-              <a:rPr lang="en-US" dirty="0" err="1"/>
+              <a:rPr lang="en-US" sz="2400" dirty="0" err="1"/>
               <a:t>zusammen</a:t>
             </a:r>
             <a:r>
-              <a:rPr lang="en-US" dirty="0"/>
+              <a:rPr lang="en-US" sz="2400" dirty="0"/>
               <a:t> </a:t>
             </a:r>
             <a:r>
-              <a:rPr lang="en-US" dirty="0" err="1"/>
+              <a:rPr lang="en-US" sz="2400" dirty="0" err="1"/>
               <a:t>mit</a:t>
             </a:r>
             <a:r>
-              <a:rPr lang="en-US" dirty="0"/>
+              <a:rPr lang="en-US" sz="2400" dirty="0"/>
               <a:t> </a:t>
             </a:r>
             <a:r>
-              <a:rPr lang="en-US" dirty="0" err="1"/>
+              <a:rPr lang="en-US" sz="2400" dirty="0" err="1"/>
               <a:t>Wahlbescheid</a:t>
             </a:r>
-            <a:endParaRPr lang="en-US" dirty="0"/>
+            <a:endParaRPr lang="en-US" sz="2400" dirty="0"/>
           </a:p>
           <a:p>
-            <a:pPr marL="411480" indent="-457200">
-              <a:buFont typeface="+mj-lt"/>
-              <a:buAutoNum type="arabicPeriod"/>
-            </a:pPr>
-            <a:endParaRPr lang="en-US" dirty="0"/>
+            <a:endParaRPr lang="en-US" sz="2400" dirty="0"/>
           </a:p>
           <a:p>
-            <a:pPr marL="411480" indent="-457200">
-              <a:buFont typeface="+mj-lt"/>
-              <a:buAutoNum type="arabicPeriod"/>
-            </a:pPr>
-            <a:r>
-              <a:rPr lang="en-US" dirty="0" err="1"/>
+            <a:r>
+              <a:rPr lang="en-US" sz="2400" dirty="0" err="1"/>
               <a:t>Wähler</a:t>
             </a:r>
             <a:r>
-              <a:rPr lang="en-US" dirty="0"/>
+              <a:rPr lang="en-US" sz="2400" dirty="0"/>
               <a:t> </a:t>
             </a:r>
             <a:r>
-              <a:rPr lang="en-US" dirty="0" err="1"/>
+              <a:rPr lang="en-US" sz="2400" dirty="0" err="1"/>
               <a:t>schickt</a:t>
             </a:r>
             <a:r>
-              <a:rPr lang="en-US" dirty="0"/>
+              <a:rPr lang="en-US" sz="2400" dirty="0"/>
               <a:t> auf der </a:t>
             </a:r>
             <a:r>
-              <a:rPr lang="en-US" dirty="0" err="1"/>
+              <a:rPr lang="en-US" sz="2400" dirty="0" err="1"/>
               <a:t>Wahlwebsite</a:t>
             </a:r>
             <a:r>
-              <a:rPr lang="en-US" dirty="0"/>
+              <a:rPr lang="en-US" sz="2400" dirty="0"/>
               <a:t> seine </a:t>
             </a:r>
             <a:r>
-              <a:rPr lang="en-US" dirty="0" err="1"/>
+              <a:rPr lang="en-US" sz="2400" dirty="0" err="1"/>
               <a:t>Stimme</a:t>
             </a:r>
             <a:r>
-              <a:rPr lang="en-US" dirty="0"/>
+              <a:rPr lang="en-US" sz="2400" dirty="0"/>
               <a:t> ab</a:t>
             </a:r>
           </a:p>
           <a:p>
-            <a:pPr marL="411480" indent="-457200">
-              <a:buFont typeface="+mj-lt"/>
-              <a:buAutoNum type="arabicPeriod"/>
-            </a:pPr>
-            <a:endParaRPr lang="en-US" dirty="0"/>
+            <a:endParaRPr lang="en-US" sz="2400" dirty="0"/>
           </a:p>
           <a:p>
-            <a:pPr marL="411480" indent="-457200">
-              <a:buFont typeface="+mj-lt"/>
-              <a:buAutoNum type="arabicPeriod"/>
-            </a:pPr>
-            <a:r>
-              <a:rPr lang="en-US" dirty="0" err="1"/>
+            <a:r>
+              <a:rPr lang="en-US" sz="2400" dirty="0" err="1"/>
               <a:t>Zusätzliche</a:t>
             </a:r>
             <a:r>
-              <a:rPr lang="en-US" dirty="0"/>
+              <a:rPr lang="en-US" sz="2400" dirty="0"/>
               <a:t> </a:t>
             </a:r>
             <a:r>
-              <a:rPr lang="en-US" dirty="0" err="1"/>
+              <a:rPr lang="en-US" sz="2400" dirty="0" err="1"/>
               <a:t>Identitätsprüfung</a:t>
             </a:r>
             <a:r>
-              <a:rPr lang="en-US" dirty="0"/>
+              <a:rPr lang="en-US" sz="2400" dirty="0"/>
               <a:t> </a:t>
             </a:r>
             <a:r>
-              <a:rPr lang="en-US" dirty="0" err="1"/>
+              <a:rPr lang="en-US" sz="2400" dirty="0" err="1"/>
               <a:t>mittels</a:t>
             </a:r>
             <a:r>
-              <a:rPr lang="en-US" dirty="0"/>
+              <a:rPr lang="en-US" sz="2400" dirty="0"/>
               <a:t> e-ID </a:t>
             </a:r>
           </a:p>
           <a:p>
-            <a:r>
-              <a:rPr lang="en-US" dirty="0"/>
-              <a:t> </a:t>
-            </a:r>
+            <a:pPr marL="0" indent="0">
+              <a:buNone/>
+            </a:pPr>
+            <a:endParaRPr lang="en-US" sz="2400" dirty="0"/>
           </a:p>
         </p:txBody>
       </p:sp>
@@ -33479,137 +35775,6 @@
           <a:p>
             <a:r>
               <a:rPr lang="de-DE" dirty="0"/>
-              <a:t>Historische Entwicklung</a:t>
-            </a:r>
-          </a:p>
-        </p:txBody>
-      </p:sp>
-      <p:sp>
-        <p:nvSpPr>
-          <p:cNvPr id="3" name="Inhaltsplatzhalter 2"/>
-          <p:cNvSpPr>
-            <a:spLocks noGrp="1"/>
-          </p:cNvSpPr>
-          <p:nvPr>
-            <p:ph idx="1"/>
-          </p:nvPr>
-        </p:nvSpPr>
-        <p:spPr/>
-        <p:txBody>
-          <a:bodyPr>
-            <a:normAutofit/>
-          </a:bodyPr>
-          <a:lstStyle/>
-          <a:p>
-            <a:r>
-              <a:rPr lang="de-DE" sz="2400" dirty="0"/>
-              <a:t>1978 erster Versuch von </a:t>
-            </a:r>
-            <a:r>
-              <a:rPr lang="de-DE" sz="2400" dirty="0" err="1"/>
-              <a:t>Rivest</a:t>
-            </a:r>
-            <a:r>
-              <a:rPr lang="de-DE" sz="2400" dirty="0"/>
-              <a:t>, </a:t>
-            </a:r>
-            <a:r>
-              <a:rPr lang="de-DE" sz="2400" dirty="0" err="1"/>
-              <a:t>Adleman</a:t>
-            </a:r>
-            <a:r>
-              <a:rPr lang="de-DE" sz="2400" dirty="0"/>
-              <a:t> und </a:t>
-            </a:r>
-            <a:r>
-              <a:rPr lang="de-DE" sz="2400" dirty="0" err="1"/>
-              <a:t>Dertouzes</a:t>
-            </a:r>
-            <a:endParaRPr lang="de-DE" sz="2400" dirty="0"/>
-          </a:p>
-          <a:p>
-            <a:endParaRPr lang="de-DE" sz="2400" dirty="0"/>
-          </a:p>
-          <a:p>
-            <a:r>
-              <a:rPr lang="de-DE" sz="2400" dirty="0"/>
-              <a:t>1987 entschlüsselt durch </a:t>
-            </a:r>
-            <a:r>
-              <a:rPr lang="de-DE" sz="2400" dirty="0" err="1"/>
-              <a:t>Brickell</a:t>
-            </a:r>
-            <a:r>
-              <a:rPr lang="de-DE" sz="2400" dirty="0"/>
-              <a:t> und </a:t>
-            </a:r>
-            <a:r>
-              <a:rPr lang="de-DE" sz="2400" dirty="0" err="1"/>
-              <a:t>Yacobi</a:t>
-            </a:r>
-            <a:endParaRPr lang="de-DE" sz="2400"/>
-          </a:p>
-          <a:p>
-            <a:endParaRPr lang="de-DE" sz="2400" dirty="0"/>
-          </a:p>
-          <a:p>
-            <a:r>
-              <a:rPr lang="de-DE" sz="2400" dirty="0"/>
-              <a:t>2009 Gentry – Vollhomomorphe Verschlüsselung ist möglich</a:t>
-            </a:r>
-          </a:p>
-          <a:p>
-            <a:endParaRPr lang="de-DE" sz="2400" dirty="0"/>
-          </a:p>
-        </p:txBody>
-      </p:sp>
-    </p:spTree>
-    <p:extLst>
-      <p:ext uri="{BB962C8B-B14F-4D97-AF65-F5344CB8AC3E}">
-        <p14:creationId xmlns:p14="http://schemas.microsoft.com/office/powerpoint/2010/main" val="2545365245"/>
-      </p:ext>
-    </p:extLst>
-  </p:cSld>
-  <p:clrMapOvr>
-    <a:masterClrMapping/>
-  </p:clrMapOvr>
-</p:sld>
-</file>
-
-<file path=ppt/slides/slide7.xml><?xml version="1.0" encoding="utf-8"?>
-<p:sld xmlns:a="http://schemas.openxmlformats.org/drawingml/2006/main" xmlns:r="http://schemas.openxmlformats.org/officeDocument/2006/relationships" xmlns:p="http://schemas.openxmlformats.org/presentationml/2006/main">
-  <p:cSld>
-    <p:spTree>
-      <p:nvGrpSpPr>
-        <p:cNvPr id="1" name=""/>
-        <p:cNvGrpSpPr/>
-        <p:nvPr/>
-      </p:nvGrpSpPr>
-      <p:grpSpPr>
-        <a:xfrm>
-          <a:off x="0" y="0"/>
-          <a:ext cx="0" cy="0"/>
-          <a:chOff x="0" y="0"/>
-          <a:chExt cx="0" cy="0"/>
-        </a:xfrm>
-      </p:grpSpPr>
-      <p:sp>
-        <p:nvSpPr>
-          <p:cNvPr id="2" name="Titel 1"/>
-          <p:cNvSpPr>
-            <a:spLocks noGrp="1"/>
-          </p:cNvSpPr>
-          <p:nvPr>
-            <p:ph type="title"/>
-          </p:nvPr>
-        </p:nvSpPr>
-        <p:spPr/>
-        <p:txBody>
-          <a:bodyPr/>
-          <a:lstStyle/>
-          <a:p>
-            <a:r>
-              <a:rPr lang="de-DE" dirty="0"/>
               <a:t>Definition Gruppe</a:t>
             </a:r>
           </a:p>
@@ -34508,7 +36673,7 @@
 </p:sld>
 </file>
 
-<file path=ppt/slides/slide8.xml><?xml version="1.0" encoding="utf-8"?>
+<file path=ppt/slides/slide7.xml><?xml version="1.0" encoding="utf-8"?>
 <p:sld xmlns:a="http://schemas.openxmlformats.org/drawingml/2006/main" xmlns:r="http://schemas.openxmlformats.org/officeDocument/2006/relationships" xmlns:p="http://schemas.openxmlformats.org/presentationml/2006/main">
   <p:cSld>
     <p:spTree>
@@ -34812,7 +36977,7 @@
 </p:sld>
 </file>
 
-<file path=ppt/slides/slide9.xml><?xml version="1.0" encoding="utf-8"?>
+<file path=ppt/slides/slide8.xml><?xml version="1.0" encoding="utf-8"?>
 <p:sld xmlns:a="http://schemas.openxmlformats.org/drawingml/2006/main" xmlns:r="http://schemas.openxmlformats.org/officeDocument/2006/relationships" xmlns:p="http://schemas.openxmlformats.org/presentationml/2006/main">
   <p:cSld>
     <p:spTree>
@@ -35780,6 +37945,137 @@
     <p:extLst>
       <p:ext uri="{BB962C8B-B14F-4D97-AF65-F5344CB8AC3E}">
         <p14:creationId xmlns:p14="http://schemas.microsoft.com/office/powerpoint/2010/main" val="3952087532"/>
+      </p:ext>
+    </p:extLst>
+  </p:cSld>
+  <p:clrMapOvr>
+    <a:masterClrMapping/>
+  </p:clrMapOvr>
+</p:sld>
+</file>
+
+<file path=ppt/slides/slide9.xml><?xml version="1.0" encoding="utf-8"?>
+<p:sld xmlns:a="http://schemas.openxmlformats.org/drawingml/2006/main" xmlns:r="http://schemas.openxmlformats.org/officeDocument/2006/relationships" xmlns:p="http://schemas.openxmlformats.org/presentationml/2006/main">
+  <p:cSld>
+    <p:spTree>
+      <p:nvGrpSpPr>
+        <p:cNvPr id="1" name=""/>
+        <p:cNvGrpSpPr/>
+        <p:nvPr/>
+      </p:nvGrpSpPr>
+      <p:grpSpPr>
+        <a:xfrm>
+          <a:off x="0" y="0"/>
+          <a:ext cx="0" cy="0"/>
+          <a:chOff x="0" y="0"/>
+          <a:chExt cx="0" cy="0"/>
+        </a:xfrm>
+      </p:grpSpPr>
+      <p:sp>
+        <p:nvSpPr>
+          <p:cNvPr id="2" name="Titel 1"/>
+          <p:cNvSpPr>
+            <a:spLocks noGrp="1"/>
+          </p:cNvSpPr>
+          <p:nvPr>
+            <p:ph type="title"/>
+          </p:nvPr>
+        </p:nvSpPr>
+        <p:spPr/>
+        <p:txBody>
+          <a:bodyPr/>
+          <a:lstStyle/>
+          <a:p>
+            <a:r>
+              <a:rPr lang="de-DE" dirty="0"/>
+              <a:t>Historische Entwicklung</a:t>
+            </a:r>
+          </a:p>
+        </p:txBody>
+      </p:sp>
+      <p:sp>
+        <p:nvSpPr>
+          <p:cNvPr id="3" name="Inhaltsplatzhalter 2"/>
+          <p:cNvSpPr>
+            <a:spLocks noGrp="1"/>
+          </p:cNvSpPr>
+          <p:nvPr>
+            <p:ph idx="1"/>
+          </p:nvPr>
+        </p:nvSpPr>
+        <p:spPr/>
+        <p:txBody>
+          <a:bodyPr>
+            <a:normAutofit/>
+          </a:bodyPr>
+          <a:lstStyle/>
+          <a:p>
+            <a:r>
+              <a:rPr lang="de-DE" sz="2400" dirty="0"/>
+              <a:t>1978 erster Versuch von </a:t>
+            </a:r>
+            <a:r>
+              <a:rPr lang="de-DE" sz="2400" dirty="0" err="1"/>
+              <a:t>Rivest</a:t>
+            </a:r>
+            <a:r>
+              <a:rPr lang="de-DE" sz="2400" dirty="0"/>
+              <a:t>, </a:t>
+            </a:r>
+            <a:r>
+              <a:rPr lang="de-DE" sz="2400" dirty="0" err="1"/>
+              <a:t>Adleman</a:t>
+            </a:r>
+            <a:r>
+              <a:rPr lang="de-DE" sz="2400" dirty="0"/>
+              <a:t> und </a:t>
+            </a:r>
+            <a:r>
+              <a:rPr lang="de-DE" sz="2400" dirty="0" err="1"/>
+              <a:t>Dertouzes</a:t>
+            </a:r>
+            <a:endParaRPr lang="de-DE" sz="2400" dirty="0"/>
+          </a:p>
+          <a:p>
+            <a:endParaRPr lang="de-DE" sz="2400" dirty="0"/>
+          </a:p>
+          <a:p>
+            <a:r>
+              <a:rPr lang="de-DE" sz="2400" dirty="0"/>
+              <a:t>1987 entschlüsselt durch </a:t>
+            </a:r>
+            <a:r>
+              <a:rPr lang="de-DE" sz="2400" dirty="0" err="1"/>
+              <a:t>Brickell</a:t>
+            </a:r>
+            <a:r>
+              <a:rPr lang="de-DE" sz="2400" dirty="0"/>
+              <a:t> und </a:t>
+            </a:r>
+            <a:r>
+              <a:rPr lang="de-DE" sz="2400" dirty="0" err="1"/>
+              <a:t>Yacobi</a:t>
+            </a:r>
+            <a:endParaRPr lang="de-DE" sz="2400" dirty="0"/>
+          </a:p>
+          <a:p>
+            <a:endParaRPr lang="de-DE" sz="2400" dirty="0"/>
+          </a:p>
+          <a:p>
+            <a:r>
+              <a:rPr lang="de-DE" sz="2400" dirty="0"/>
+              <a:t>2009 Gentry – Vollhomomorphe Verschlüsselung ist möglich</a:t>
+            </a:r>
+          </a:p>
+          <a:p>
+            <a:endParaRPr lang="de-DE" sz="2400" dirty="0"/>
+          </a:p>
+        </p:txBody>
+      </p:sp>
+    </p:spTree>
+    <p:extLst>
+      <p:ext uri="{BB962C8B-B14F-4D97-AF65-F5344CB8AC3E}">
+        <p14:creationId xmlns:p14="http://schemas.microsoft.com/office/powerpoint/2010/main" val="2545365245"/>
       </p:ext>
     </p:extLst>
   </p:cSld>
@@ -36045,4 +38341,299 @@
     </a:ext>
   </a:extLst>
 </a:theme>
+</file>
+
+<file path=ppt/theme/theme2.xml><?xml version="1.0" encoding="utf-8"?>
+<a:theme xmlns:a="http://schemas.openxmlformats.org/drawingml/2006/main" name="Office">
+  <a:themeElements>
+    <a:clrScheme name="Office">
+      <a:dk1>
+        <a:sysClr val="windowText" lastClr="000000"/>
+      </a:dk1>
+      <a:lt1>
+        <a:sysClr val="window" lastClr="FFFFFF"/>
+      </a:lt1>
+      <a:dk2>
+        <a:srgbClr val="44546A"/>
+      </a:dk2>
+      <a:lt2>
+        <a:srgbClr val="E7E6E6"/>
+      </a:lt2>
+      <a:accent1>
+        <a:srgbClr val="4472C4"/>
+      </a:accent1>
+      <a:accent2>
+        <a:srgbClr val="ED7D31"/>
+      </a:accent2>
+      <a:accent3>
+        <a:srgbClr val="A5A5A5"/>
+      </a:accent3>
+      <a:accent4>
+        <a:srgbClr val="FFC000"/>
+      </a:accent4>
+      <a:accent5>
+        <a:srgbClr val="5B9BD5"/>
+      </a:accent5>
+      <a:accent6>
+        <a:srgbClr val="70AD47"/>
+      </a:accent6>
+      <a:hlink>
+        <a:srgbClr val="0563C1"/>
+      </a:hlink>
+      <a:folHlink>
+        <a:srgbClr val="954F72"/>
+      </a:folHlink>
+    </a:clrScheme>
+    <a:fontScheme name="Office">
+      <a:majorFont>
+        <a:latin typeface="Calibri Light" panose="020F0302020204030204"/>
+        <a:ea typeface=""/>
+        <a:cs typeface=""/>
+        <a:font script="Jpan" typeface="游ゴシック Light"/>
+        <a:font script="Hang" typeface="맑은 고딕"/>
+        <a:font script="Hans" typeface="等线 Light"/>
+        <a:font script="Hant" typeface="新細明體"/>
+        <a:font script="Arab" typeface="Times New Roman"/>
+        <a:font script="Hebr" typeface="Times New Roman"/>
+        <a:font script="Thai" typeface="Angsana New"/>
+        <a:font script="Ethi" typeface="Nyala"/>
+        <a:font script="Beng" typeface="Vrinda"/>
+        <a:font script="Gujr" typeface="Shruti"/>
+        <a:font script="Khmr" typeface="MoolBoran"/>
+        <a:font script="Knda" typeface="Tunga"/>
+        <a:font script="Guru" typeface="Raavi"/>
+        <a:font script="Cans" typeface="Euphemia"/>
+        <a:font script="Cher" typeface="Plantagenet Cherokee"/>
+        <a:font script="Yiii" typeface="Microsoft Yi Baiti"/>
+        <a:font script="Tibt" typeface="Microsoft Himalaya"/>
+        <a:font script="Thaa" typeface="MV Boli"/>
+        <a:font script="Deva" typeface="Mangal"/>
+        <a:font script="Telu" typeface="Gautami"/>
+        <a:font script="Taml" typeface="Latha"/>
+        <a:font script="Syrc" typeface="Estrangelo Edessa"/>
+        <a:font script="Orya" typeface="Kalinga"/>
+        <a:font script="Mlym" typeface="Kartika"/>
+        <a:font script="Laoo" typeface="DokChampa"/>
+        <a:font script="Sinh" typeface="Iskoola Pota"/>
+        <a:font script="Mong" typeface="Mongolian Baiti"/>
+        <a:font script="Viet" typeface="Times New Roman"/>
+        <a:font script="Uigh" typeface="Microsoft Uighur"/>
+        <a:font script="Geor" typeface="Sylfaen"/>
+        <a:font script="Armn" typeface="Arial"/>
+        <a:font script="Bugi" typeface="Leelawadee UI"/>
+        <a:font script="Bopo" typeface="Microsoft JhengHei"/>
+        <a:font script="Java" typeface="Javanese Text"/>
+        <a:font script="Lisu" typeface="Segoe UI"/>
+        <a:font script="Mymr" typeface="Myanmar Text"/>
+        <a:font script="Nkoo" typeface="Ebrima"/>
+        <a:font script="Olck" typeface="Nirmala UI"/>
+        <a:font script="Osma" typeface="Ebrima"/>
+        <a:font script="Phag" typeface="Phagspa"/>
+        <a:font script="Syrn" typeface="Estrangelo Edessa"/>
+        <a:font script="Syrj" typeface="Estrangelo Edessa"/>
+        <a:font script="Syre" typeface="Estrangelo Edessa"/>
+        <a:font script="Sora" typeface="Nirmala UI"/>
+        <a:font script="Tale" typeface="Microsoft Tai Le"/>
+        <a:font script="Talu" typeface="Microsoft New Tai Lue"/>
+        <a:font script="Tfng" typeface="Ebrima"/>
+      </a:majorFont>
+      <a:minorFont>
+        <a:latin typeface="Calibri" panose="020F0502020204030204"/>
+        <a:ea typeface=""/>
+        <a:cs typeface=""/>
+        <a:font script="Jpan" typeface="游ゴシック"/>
+        <a:font script="Hang" typeface="맑은 고딕"/>
+        <a:font script="Hans" typeface="等线"/>
+        <a:font script="Hant" typeface="新細明體"/>
+        <a:font script="Arab" typeface="Arial"/>
+        <a:font script="Hebr" typeface="Arial"/>
+        <a:font script="Thai" typeface="Cordia New"/>
+        <a:font script="Ethi" typeface="Nyala"/>
+        <a:font script="Beng" typeface="Vrinda"/>
+        <a:font script="Gujr" typeface="Shruti"/>
+        <a:font script="Khmr" typeface="DaunPenh"/>
+        <a:font script="Knda" typeface="Tunga"/>
+        <a:font script="Guru" typeface="Raavi"/>
+        <a:font script="Cans" typeface="Euphemia"/>
+        <a:font script="Cher" typeface="Plantagenet Cherokee"/>
+        <a:font script="Yiii" typeface="Microsoft Yi Baiti"/>
+        <a:font script="Tibt" typeface="Microsoft Himalaya"/>
+        <a:font script="Thaa" typeface="MV Boli"/>
+        <a:font script="Deva" typeface="Mangal"/>
+        <a:font script="Telu" typeface="Gautami"/>
+        <a:font script="Taml" typeface="Latha"/>
+        <a:font script="Syrc" typeface="Estrangelo Edessa"/>
+        <a:font script="Orya" typeface="Kalinga"/>
+        <a:font script="Mlym" typeface="Kartika"/>
+        <a:font script="Laoo" typeface="DokChampa"/>
+        <a:font script="Sinh" typeface="Iskoola Pota"/>
+        <a:font script="Mong" typeface="Mongolian Baiti"/>
+        <a:font script="Viet" typeface="Arial"/>
+        <a:font script="Uigh" typeface="Microsoft Uighur"/>
+        <a:font script="Geor" typeface="Sylfaen"/>
+        <a:font script="Armn" typeface="Arial"/>
+        <a:font script="Bugi" typeface="Leelawadee UI"/>
+        <a:font script="Bopo" typeface="Microsoft JhengHei"/>
+        <a:font script="Java" typeface="Javanese Text"/>
+        <a:font script="Lisu" typeface="Segoe UI"/>
+        <a:font script="Mymr" typeface="Myanmar Text"/>
+        <a:font script="Nkoo" typeface="Ebrima"/>
+        <a:font script="Olck" typeface="Nirmala UI"/>
+        <a:font script="Osma" typeface="Ebrima"/>
+        <a:font script="Phag" typeface="Phagspa"/>
+        <a:font script="Syrn" typeface="Estrangelo Edessa"/>
+        <a:font script="Syrj" typeface="Estrangelo Edessa"/>
+        <a:font script="Syre" typeface="Estrangelo Edessa"/>
+        <a:font script="Sora" typeface="Nirmala UI"/>
+        <a:font script="Tale" typeface="Microsoft Tai Le"/>
+        <a:font script="Talu" typeface="Microsoft New Tai Lue"/>
+        <a:font script="Tfng" typeface="Ebrima"/>
+      </a:minorFont>
+    </a:fontScheme>
+    <a:fmtScheme name="Office">
+      <a:fillStyleLst>
+        <a:solidFill>
+          <a:schemeClr val="phClr"/>
+        </a:solidFill>
+        <a:gradFill rotWithShape="1">
+          <a:gsLst>
+            <a:gs pos="0">
+              <a:schemeClr val="phClr">
+                <a:lumMod val="110000"/>
+                <a:satMod val="105000"/>
+                <a:tint val="67000"/>
+              </a:schemeClr>
+            </a:gs>
+            <a:gs pos="50000">
+              <a:schemeClr val="phClr">
+                <a:lumMod val="105000"/>
+                <a:satMod val="103000"/>
+                <a:tint val="73000"/>
+              </a:schemeClr>
+            </a:gs>
+            <a:gs pos="100000">
+              <a:schemeClr val="phClr">
+                <a:lumMod val="105000"/>
+                <a:satMod val="109000"/>
+                <a:tint val="81000"/>
+              </a:schemeClr>
+            </a:gs>
+          </a:gsLst>
+          <a:lin ang="5400000" scaled="0"/>
+        </a:gradFill>
+        <a:gradFill rotWithShape="1">
+          <a:gsLst>
+            <a:gs pos="0">
+              <a:schemeClr val="phClr">
+                <a:satMod val="103000"/>
+                <a:lumMod val="102000"/>
+                <a:tint val="94000"/>
+              </a:schemeClr>
+            </a:gs>
+            <a:gs pos="50000">
+              <a:schemeClr val="phClr">
+                <a:satMod val="110000"/>
+                <a:lumMod val="100000"/>
+                <a:shade val="100000"/>
+              </a:schemeClr>
+            </a:gs>
+            <a:gs pos="100000">
+              <a:schemeClr val="phClr">
+                <a:lumMod val="99000"/>
+                <a:satMod val="120000"/>
+                <a:shade val="78000"/>
+              </a:schemeClr>
+            </a:gs>
+          </a:gsLst>
+          <a:lin ang="5400000" scaled="0"/>
+        </a:gradFill>
+      </a:fillStyleLst>
+      <a:lnStyleLst>
+        <a:ln w="6350" cap="flat" cmpd="sng" algn="ctr">
+          <a:solidFill>
+            <a:schemeClr val="phClr"/>
+          </a:solidFill>
+          <a:prstDash val="solid"/>
+          <a:miter lim="800000"/>
+        </a:ln>
+        <a:ln w="12700" cap="flat" cmpd="sng" algn="ctr">
+          <a:solidFill>
+            <a:schemeClr val="phClr"/>
+          </a:solidFill>
+          <a:prstDash val="solid"/>
+          <a:miter lim="800000"/>
+        </a:ln>
+        <a:ln w="19050" cap="flat" cmpd="sng" algn="ctr">
+          <a:solidFill>
+            <a:schemeClr val="phClr"/>
+          </a:solidFill>
+          <a:prstDash val="solid"/>
+          <a:miter lim="800000"/>
+        </a:ln>
+      </a:lnStyleLst>
+      <a:effectStyleLst>
+        <a:effectStyle>
+          <a:effectLst/>
+        </a:effectStyle>
+        <a:effectStyle>
+          <a:effectLst/>
+        </a:effectStyle>
+        <a:effectStyle>
+          <a:effectLst>
+            <a:outerShdw blurRad="57150" dist="19050" dir="5400000" algn="ctr" rotWithShape="0">
+              <a:srgbClr val="000000">
+                <a:alpha val="63000"/>
+              </a:srgbClr>
+            </a:outerShdw>
+          </a:effectLst>
+        </a:effectStyle>
+      </a:effectStyleLst>
+      <a:bgFillStyleLst>
+        <a:solidFill>
+          <a:schemeClr val="phClr"/>
+        </a:solidFill>
+        <a:solidFill>
+          <a:schemeClr val="phClr">
+            <a:tint val="95000"/>
+            <a:satMod val="170000"/>
+          </a:schemeClr>
+        </a:solidFill>
+        <a:gradFill rotWithShape="1">
+          <a:gsLst>
+            <a:gs pos="0">
+              <a:schemeClr val="phClr">
+                <a:tint val="93000"/>
+                <a:satMod val="150000"/>
+                <a:shade val="98000"/>
+                <a:lumMod val="102000"/>
+              </a:schemeClr>
+            </a:gs>
+            <a:gs pos="50000">
+              <a:schemeClr val="phClr">
+                <a:tint val="98000"/>
+                <a:satMod val="130000"/>
+                <a:shade val="90000"/>
+                <a:lumMod val="103000"/>
+              </a:schemeClr>
+            </a:gs>
+            <a:gs pos="100000">
+              <a:schemeClr val="phClr">
+                <a:shade val="63000"/>
+                <a:satMod val="120000"/>
+              </a:schemeClr>
+            </a:gs>
+          </a:gsLst>
+          <a:lin ang="5400000" scaled="0"/>
+        </a:gradFill>
+      </a:bgFillStyleLst>
+    </a:fmtScheme>
+  </a:themeElements>
+  <a:objectDefaults/>
+  <a:extraClrSchemeLst/>
+  <a:extLst>
+    <a:ext uri="{05A4C25C-085E-4340-85A3-A5531E510DB2}">
+      <thm15:themeFamily xmlns:thm15="http://schemas.microsoft.com/office/thememl/2012/main" name="Office Theme" id="{62F939B6-93AF-4DB8-9C6B-D6C7DFDC589F}" vid="{4A3C46E8-61CC-4603-A589-7422A47A8E4A}"/>
+    </a:ext>
+  </a:extLst>
+</a:theme>
 </file>